--- a/OnlineWomenShoes.pptx
+++ b/OnlineWomenShoes.pptx
@@ -209,7 +209,7 @@
           <a:p>
             <a:fld id="{D2A48B96-639E-45A3-A0BA-2464DFDB1FAA}" type="datetimeFigureOut">
               <a:rPr lang="zh-CN" altLang="en-US" smtClean="0"/>
-              <a:t>2020/10/11</a:t>
+              <a:t>2020/10/14</a:t>
             </a:fld>
             <a:endParaRPr lang="zh-CN" altLang="en-US"/>
           </a:p>
@@ -602,7 +602,7 @@
           <a:p>
             <a:fld id="{60CB2192-885C-4820-B39D-D9C313571FDF}" type="datetimeFigureOut">
               <a:rPr lang="zh-CN" altLang="en-US" smtClean="0"/>
-              <a:t>2020/10/11</a:t>
+              <a:t>2020/10/14</a:t>
             </a:fld>
             <a:endParaRPr lang="zh-CN" altLang="en-US"/>
           </a:p>
@@ -767,7 +767,7 @@
           <a:p>
             <a:fld id="{60CB2192-885C-4820-B39D-D9C313571FDF}" type="datetimeFigureOut">
               <a:rPr lang="zh-CN" altLang="en-US" smtClean="0"/>
-              <a:t>2020/10/11</a:t>
+              <a:t>2020/10/14</a:t>
             </a:fld>
             <a:endParaRPr lang="zh-CN" altLang="en-US"/>
           </a:p>
@@ -942,7 +942,7 @@
           <a:p>
             <a:fld id="{60CB2192-885C-4820-B39D-D9C313571FDF}" type="datetimeFigureOut">
               <a:rPr lang="zh-CN" altLang="en-US" smtClean="0"/>
-              <a:t>2020/10/11</a:t>
+              <a:t>2020/10/14</a:t>
             </a:fld>
             <a:endParaRPr lang="zh-CN" altLang="en-US"/>
           </a:p>
@@ -1107,7 +1107,7 @@
           <a:p>
             <a:fld id="{60CB2192-885C-4820-B39D-D9C313571FDF}" type="datetimeFigureOut">
               <a:rPr lang="zh-CN" altLang="en-US" smtClean="0"/>
-              <a:t>2020/10/11</a:t>
+              <a:t>2020/10/14</a:t>
             </a:fld>
             <a:endParaRPr lang="zh-CN" altLang="en-US"/>
           </a:p>
@@ -1348,7 +1348,7 @@
           <a:p>
             <a:fld id="{60CB2192-885C-4820-B39D-D9C313571FDF}" type="datetimeFigureOut">
               <a:rPr lang="zh-CN" altLang="en-US" smtClean="0"/>
-              <a:t>2020/10/11</a:t>
+              <a:t>2020/10/14</a:t>
             </a:fld>
             <a:endParaRPr lang="zh-CN" altLang="en-US"/>
           </a:p>
@@ -1575,7 +1575,7 @@
           <a:p>
             <a:fld id="{60CB2192-885C-4820-B39D-D9C313571FDF}" type="datetimeFigureOut">
               <a:rPr lang="zh-CN" altLang="en-US" smtClean="0"/>
-              <a:t>2020/10/11</a:t>
+              <a:t>2020/10/14</a:t>
             </a:fld>
             <a:endParaRPr lang="zh-CN" altLang="en-US"/>
           </a:p>
@@ -1937,7 +1937,7 @@
           <a:p>
             <a:fld id="{60CB2192-885C-4820-B39D-D9C313571FDF}" type="datetimeFigureOut">
               <a:rPr lang="zh-CN" altLang="en-US" smtClean="0"/>
-              <a:t>2020/10/11</a:t>
+              <a:t>2020/10/14</a:t>
             </a:fld>
             <a:endParaRPr lang="zh-CN" altLang="en-US"/>
           </a:p>
@@ -2050,7 +2050,7 @@
           <a:p>
             <a:fld id="{60CB2192-885C-4820-B39D-D9C313571FDF}" type="datetimeFigureOut">
               <a:rPr lang="zh-CN" altLang="en-US" smtClean="0"/>
-              <a:t>2020/10/11</a:t>
+              <a:t>2020/10/14</a:t>
             </a:fld>
             <a:endParaRPr lang="zh-CN" altLang="en-US"/>
           </a:p>
@@ -2140,7 +2140,7 @@
           <a:p>
             <a:fld id="{60CB2192-885C-4820-B39D-D9C313571FDF}" type="datetimeFigureOut">
               <a:rPr lang="zh-CN" altLang="en-US" smtClean="0"/>
-              <a:t>2020/10/11</a:t>
+              <a:t>2020/10/14</a:t>
             </a:fld>
             <a:endParaRPr lang="zh-CN" altLang="en-US"/>
           </a:p>
@@ -2412,7 +2412,7 @@
           <a:p>
             <a:fld id="{60CB2192-885C-4820-B39D-D9C313571FDF}" type="datetimeFigureOut">
               <a:rPr lang="zh-CN" altLang="en-US" smtClean="0"/>
-              <a:t>2020/10/11</a:t>
+              <a:t>2020/10/14</a:t>
             </a:fld>
             <a:endParaRPr lang="zh-CN" altLang="en-US"/>
           </a:p>
@@ -2664,7 +2664,7 @@
           <a:p>
             <a:fld id="{60CB2192-885C-4820-B39D-D9C313571FDF}" type="datetimeFigureOut">
               <a:rPr lang="zh-CN" altLang="en-US" smtClean="0"/>
-              <a:t>2020/10/11</a:t>
+              <a:t>2020/10/14</a:t>
             </a:fld>
             <a:endParaRPr lang="zh-CN" altLang="en-US"/>
           </a:p>
@@ -2875,7 +2875,7 @@
           <a:p>
             <a:fld id="{60CB2192-885C-4820-B39D-D9C313571FDF}" type="datetimeFigureOut">
               <a:rPr lang="zh-CN" altLang="en-US" smtClean="0"/>
-              <a:t>2020/10/11</a:t>
+              <a:t>2020/10/14</a:t>
             </a:fld>
             <a:endParaRPr lang="zh-CN" altLang="en-US"/>
           </a:p>
@@ -4190,14 +4190,14 @@
   <p:clrMapOvr>
     <a:masterClrMapping/>
   </p:clrMapOvr>
-  <mc:AlternateContent xmlns:mc="http://schemas.openxmlformats.org/markup-compatibility/2006" xmlns:p14="http://schemas.microsoft.com/office/powerpoint/2010/main">
-    <mc:Choice Requires="p14">
-      <p:transition spd="slow" p14:dur="4000" advTm="0">
+  <mc:AlternateContent xmlns:mc="http://schemas.openxmlformats.org/markup-compatibility/2006">
+    <mc:Choice xmlns:p14="http://schemas.microsoft.com/office/powerpoint/2010/main" Requires="p14">
+      <p:transition spd="slow" p14:dur="2000" advTm="3600000">
         <p14:vortex dir="r"/>
       </p:transition>
     </mc:Choice>
-    <mc:Fallback xmlns="">
-      <p:transition spd="slow" advTm="0">
+    <mc:Fallback>
+      <p:transition spd="slow" advTm="3600000">
         <p:fade/>
       </p:transition>
     </mc:Fallback>
@@ -5213,14 +5213,14 @@
   <p:clrMapOvr>
     <a:masterClrMapping/>
   </p:clrMapOvr>
-  <mc:AlternateContent xmlns:mc="http://schemas.openxmlformats.org/markup-compatibility/2006" xmlns:p14="http://schemas.microsoft.com/office/powerpoint/2010/main">
-    <mc:Choice Requires="p14">
-      <p:transition spd="slow" p14:dur="1250" advTm="0">
+  <mc:AlternateContent xmlns:mc="http://schemas.openxmlformats.org/markup-compatibility/2006">
+    <mc:Choice xmlns:p14="http://schemas.microsoft.com/office/powerpoint/2010/main" Requires="p14">
+      <p:transition spd="slow" advTm="3600000">
         <p14:switch dir="r"/>
       </p:transition>
     </mc:Choice>
-    <mc:Fallback xmlns="">
-      <p:transition spd="slow" advTm="0">
+    <mc:Fallback>
+      <p:transition spd="slow" advTm="3600000">
         <p:fade/>
       </p:transition>
     </mc:Fallback>
@@ -5713,14 +5713,14 @@
   <p:clrMapOvr>
     <a:masterClrMapping/>
   </p:clrMapOvr>
-  <mc:AlternateContent xmlns:mc="http://schemas.openxmlformats.org/markup-compatibility/2006" xmlns:p14="http://schemas.microsoft.com/office/powerpoint/2010/main">
-    <mc:Choice Requires="p14">
-      <p:transition spd="slow" p14:dur="1250" advTm="0">
-        <p14:switch dir="r"/>
+  <mc:AlternateContent xmlns:mc="http://schemas.openxmlformats.org/markup-compatibility/2006">
+    <mc:Choice xmlns:p14="http://schemas.microsoft.com/office/powerpoint/2010/main" Requires="p14">
+      <p:transition spd="slow" p14:dur="1400" advTm="3600000">
+        <p14:doors dir="vert"/>
       </p:transition>
     </mc:Choice>
-    <mc:Fallback xmlns="">
-      <p:transition spd="slow" advTm="0">
+    <mc:Fallback>
+      <p:transition spd="slow" advTm="3600000">
         <p:fade/>
       </p:transition>
     </mc:Fallback>
@@ -6207,14 +6207,14 @@
   <p:clrMapOvr>
     <a:masterClrMapping/>
   </p:clrMapOvr>
-  <mc:AlternateContent xmlns:mc="http://schemas.openxmlformats.org/markup-compatibility/2006" xmlns:p14="http://schemas.microsoft.com/office/powerpoint/2010/main">
-    <mc:Choice Requires="p14">
-      <p:transition spd="slow" p14:dur="1250" advTm="0">
-        <p14:switch dir="r"/>
+  <mc:AlternateContent xmlns:mc="http://schemas.openxmlformats.org/markup-compatibility/2006">
+    <mc:Choice xmlns:p14="http://schemas.microsoft.com/office/powerpoint/2010/main" Requires="p14">
+      <p:transition spd="slow" p14:dur="1250" advTm="3600000">
+        <p14:flip dir="r"/>
       </p:transition>
     </mc:Choice>
-    <mc:Fallback xmlns="">
-      <p:transition spd="slow" advTm="0">
+    <mc:Fallback>
+      <p:transition spd="slow" advTm="3600000">
         <p:fade/>
       </p:transition>
     </mc:Fallback>
@@ -6713,14 +6713,14 @@
   <p:clrMapOvr>
     <a:masterClrMapping/>
   </p:clrMapOvr>
-  <mc:AlternateContent xmlns:mc="http://schemas.openxmlformats.org/markup-compatibility/2006" xmlns:p14="http://schemas.microsoft.com/office/powerpoint/2010/main">
-    <mc:Choice Requires="p14">
-      <p:transition spd="slow" p14:dur="4000" advTm="0">
+  <mc:AlternateContent xmlns:mc="http://schemas.openxmlformats.org/markup-compatibility/2006">
+    <mc:Choice xmlns:p14="http://schemas.microsoft.com/office/powerpoint/2010/main" Requires="p14">
+      <p:transition spd="slow" p14:dur="2000" advTm="3600000">
         <p14:vortex dir="r"/>
       </p:transition>
     </mc:Choice>
-    <mc:Fallback xmlns="">
-      <p:transition spd="slow" advTm="0">
+    <mc:Fallback>
+      <p:transition spd="slow" advTm="3600000">
         <p:fade/>
       </p:transition>
     </mc:Fallback>
@@ -8137,14 +8137,14 @@
   <p:clrMapOvr>
     <a:masterClrMapping/>
   </p:clrMapOvr>
-  <mc:AlternateContent xmlns:mc="http://schemas.openxmlformats.org/markup-compatibility/2006" xmlns:p14="http://schemas.microsoft.com/office/powerpoint/2010/main">
-    <mc:Choice Requires="p14">
-      <p:transition spd="slow" p14:dur="900" advTm="0">
+  <mc:AlternateContent xmlns:mc="http://schemas.openxmlformats.org/markup-compatibility/2006">
+    <mc:Choice xmlns:p14="http://schemas.microsoft.com/office/powerpoint/2010/main" Requires="p14">
+      <p:transition spd="slow" advTm="3600000">
         <p14:warp dir="in"/>
       </p:transition>
     </mc:Choice>
-    <mc:Fallback xmlns="">
-      <p:transition spd="slow" advTm="0">
+    <mc:Fallback>
+      <p:transition spd="slow" advTm="3600000">
         <p:fade/>
       </p:transition>
     </mc:Fallback>
@@ -8736,14 +8736,14 @@
   <p:clrMapOvr>
     <a:masterClrMapping/>
   </p:clrMapOvr>
-  <mc:AlternateContent xmlns:mc="http://schemas.openxmlformats.org/markup-compatibility/2006" xmlns:p14="http://schemas.microsoft.com/office/powerpoint/2010/main">
-    <mc:Choice Requires="p14">
-      <p:transition spd="slow" p14:dur="1250" advTm="0">
+  <mc:AlternateContent xmlns:mc="http://schemas.openxmlformats.org/markup-compatibility/2006">
+    <mc:Choice xmlns:p14="http://schemas.microsoft.com/office/powerpoint/2010/main" Requires="p14">
+      <p:transition spd="slow" advTm="3600000">
         <p14:switch dir="r"/>
       </p:transition>
     </mc:Choice>
-    <mc:Fallback xmlns="">
-      <p:transition spd="slow" advTm="0">
+    <mc:Fallback>
+      <p:transition spd="slow" advTm="3600000">
         <p:fade/>
       </p:transition>
     </mc:Fallback>
@@ -9449,14 +9449,14 @@
   <p:clrMapOvr>
     <a:masterClrMapping/>
   </p:clrMapOvr>
-  <mc:AlternateContent xmlns:mc="http://schemas.openxmlformats.org/markup-compatibility/2006" xmlns:p14="http://schemas.microsoft.com/office/powerpoint/2010/main">
-    <mc:Choice Requires="p14">
-      <p:transition spd="slow" p14:dur="1250" advTm="0">
+  <mc:AlternateContent xmlns:mc="http://schemas.openxmlformats.org/markup-compatibility/2006">
+    <mc:Choice xmlns:p14="http://schemas.microsoft.com/office/powerpoint/2010/main" Requires="p14">
+      <p:transition spd="slow" advTm="3600000">
         <p14:switch dir="r"/>
       </p:transition>
     </mc:Choice>
-    <mc:Fallback xmlns="">
-      <p:transition spd="slow" advTm="0">
+    <mc:Fallback>
+      <p:transition spd="slow" advTm="3600000">
         <p:fade/>
       </p:transition>
     </mc:Fallback>
@@ -10823,14 +10823,14 @@
   <p:clrMapOvr>
     <a:masterClrMapping/>
   </p:clrMapOvr>
-  <mc:AlternateContent xmlns:mc="http://schemas.openxmlformats.org/markup-compatibility/2006" xmlns:p14="http://schemas.microsoft.com/office/powerpoint/2010/main">
-    <mc:Choice Requires="p14">
-      <p:transition spd="slow" p14:dur="1400" advTm="0">
+  <mc:AlternateContent xmlns:mc="http://schemas.openxmlformats.org/markup-compatibility/2006">
+    <mc:Choice xmlns:p14="http://schemas.microsoft.com/office/powerpoint/2010/main" Requires="p14">
+      <p:transition spd="slow" advTm="3600000">
         <p14:doors dir="vert"/>
       </p:transition>
     </mc:Choice>
-    <mc:Fallback xmlns="">
-      <p:transition spd="slow" advTm="0">
+    <mc:Fallback>
+      <p:transition spd="slow" advTm="3600000">
         <p:fade/>
       </p:transition>
     </mc:Fallback>
@@ -11379,14 +11379,14 @@
   <p:clrMapOvr>
     <a:masterClrMapping/>
   </p:clrMapOvr>
-  <mc:AlternateContent xmlns:mc="http://schemas.openxmlformats.org/markup-compatibility/2006" xmlns:p14="http://schemas.microsoft.com/office/powerpoint/2010/main">
-    <mc:Choice Requires="p14">
-      <p:transition spd="slow" p14:dur="1250" advTm="0">
+  <mc:AlternateContent xmlns:mc="http://schemas.openxmlformats.org/markup-compatibility/2006">
+    <mc:Choice xmlns:p14="http://schemas.microsoft.com/office/powerpoint/2010/main" Requires="p14">
+      <p:transition spd="slow" advTm="3600000">
         <p14:switch dir="r"/>
       </p:transition>
     </mc:Choice>
-    <mc:Fallback xmlns="">
-      <p:transition spd="slow" advTm="0">
+    <mc:Fallback>
+      <p:transition spd="slow" advTm="3600000">
         <p:fade/>
       </p:transition>
     </mc:Fallback>
@@ -12099,14 +12099,14 @@
   <p:clrMapOvr>
     <a:masterClrMapping/>
   </p:clrMapOvr>
-  <mc:AlternateContent xmlns:mc="http://schemas.openxmlformats.org/markup-compatibility/2006" xmlns:p14="http://schemas.microsoft.com/office/powerpoint/2010/main">
-    <mc:Choice Requires="p14">
-      <p:transition spd="slow" p14:dur="1250" advTm="0">
+  <mc:AlternateContent xmlns:mc="http://schemas.openxmlformats.org/markup-compatibility/2006">
+    <mc:Choice xmlns:p14="http://schemas.microsoft.com/office/powerpoint/2010/main" Requires="p14">
+      <p:transition spd="slow" advTm="3600000">
         <p14:switch dir="r"/>
       </p:transition>
     </mc:Choice>
-    <mc:Fallback xmlns="">
-      <p:transition spd="slow" advTm="0">
+    <mc:Fallback>
+      <p:transition spd="slow" advTm="3600000">
         <p:fade/>
       </p:transition>
     </mc:Fallback>
@@ -12567,14 +12567,14 @@
   <p:clrMapOvr>
     <a:masterClrMapping/>
   </p:clrMapOvr>
-  <mc:AlternateContent xmlns:mc="http://schemas.openxmlformats.org/markup-compatibility/2006" xmlns:p14="http://schemas.microsoft.com/office/powerpoint/2010/main">
-    <mc:Choice Requires="p14">
-      <p:transition spd="slow" p14:dur="1250" advTm="0">
+  <mc:AlternateContent xmlns:mc="http://schemas.openxmlformats.org/markup-compatibility/2006">
+    <mc:Choice xmlns:p14="http://schemas.microsoft.com/office/powerpoint/2010/main" Requires="p14">
+      <p:transition spd="slow" advTm="3600000">
         <p14:switch dir="r"/>
       </p:transition>
     </mc:Choice>
-    <mc:Fallback xmlns="">
-      <p:transition spd="slow" advTm="0">
+    <mc:Fallback>
+      <p:transition spd="slow" advTm="3600000">
         <p:fade/>
       </p:transition>
     </mc:Fallback>
@@ -13035,14 +13035,14 @@
   <p:clrMapOvr>
     <a:masterClrMapping/>
   </p:clrMapOvr>
-  <mc:AlternateContent xmlns:mc="http://schemas.openxmlformats.org/markup-compatibility/2006" xmlns:p14="http://schemas.microsoft.com/office/powerpoint/2010/main">
-    <mc:Choice Requires="p14">
-      <p:transition spd="slow" p14:dur="1250" advTm="0">
+  <mc:AlternateContent xmlns:mc="http://schemas.openxmlformats.org/markup-compatibility/2006">
+    <mc:Choice xmlns:p14="http://schemas.microsoft.com/office/powerpoint/2010/main" Requires="p14">
+      <p:transition spd="slow" advTm="3600000">
         <p14:switch dir="r"/>
       </p:transition>
     </mc:Choice>
-    <mc:Fallback xmlns="">
-      <p:transition spd="slow" advTm="0">
+    <mc:Fallback>
+      <p:transition spd="slow" advTm="3600000">
         <p:fade/>
       </p:transition>
     </mc:Fallback>

--- a/OnlineWomenShoes.pptx
+++ b/OnlineWomenShoes.pptx
@@ -5,7 +5,7 @@
     <p:sldMasterId id="2147483648" r:id="rId1"/>
   </p:sldMasterIdLst>
   <p:notesMasterIdLst>
-    <p:notesMasterId r:id="rId15"/>
+    <p:notesMasterId r:id="rId17"/>
   </p:notesMasterIdLst>
   <p:sldIdLst>
     <p:sldId id="256" r:id="rId2"/>
@@ -13,14 +13,16 @@
     <p:sldId id="259" r:id="rId4"/>
     <p:sldId id="260" r:id="rId5"/>
     <p:sldId id="279" r:id="rId6"/>
-    <p:sldId id="282" r:id="rId7"/>
+    <p:sldId id="295" r:id="rId7"/>
     <p:sldId id="293" r:id="rId8"/>
     <p:sldId id="290" r:id="rId9"/>
     <p:sldId id="291" r:id="rId10"/>
-    <p:sldId id="292" r:id="rId11"/>
-    <p:sldId id="283" r:id="rId12"/>
-    <p:sldId id="294" r:id="rId13"/>
-    <p:sldId id="286" r:id="rId14"/>
+    <p:sldId id="296" r:id="rId11"/>
+    <p:sldId id="297" r:id="rId12"/>
+    <p:sldId id="292" r:id="rId13"/>
+    <p:sldId id="283" r:id="rId14"/>
+    <p:sldId id="294" r:id="rId15"/>
+    <p:sldId id="286" r:id="rId16"/>
   </p:sldIdLst>
   <p:sldSz cx="9144000" cy="5143500" type="screen16x9"/>
   <p:notesSz cx="6858000" cy="9144000"/>
@@ -209,7 +211,7 @@
           <a:p>
             <a:fld id="{D2A48B96-639E-45A3-A0BA-2464DFDB1FAA}" type="datetimeFigureOut">
               <a:rPr lang="zh-CN" altLang="en-US" smtClean="0"/>
-              <a:t>2020/10/14</a:t>
+              <a:t>2020/11/17</a:t>
             </a:fld>
             <a:endParaRPr lang="zh-CN" altLang="en-US"/>
           </a:p>
@@ -602,7 +604,7 @@
           <a:p>
             <a:fld id="{60CB2192-885C-4820-B39D-D9C313571FDF}" type="datetimeFigureOut">
               <a:rPr lang="zh-CN" altLang="en-US" smtClean="0"/>
-              <a:t>2020/10/14</a:t>
+              <a:t>2020/11/17</a:t>
             </a:fld>
             <a:endParaRPr lang="zh-CN" altLang="en-US"/>
           </a:p>
@@ -767,7 +769,7 @@
           <a:p>
             <a:fld id="{60CB2192-885C-4820-B39D-D9C313571FDF}" type="datetimeFigureOut">
               <a:rPr lang="zh-CN" altLang="en-US" smtClean="0"/>
-              <a:t>2020/10/14</a:t>
+              <a:t>2020/11/17</a:t>
             </a:fld>
             <a:endParaRPr lang="zh-CN" altLang="en-US"/>
           </a:p>
@@ -942,7 +944,7 @@
           <a:p>
             <a:fld id="{60CB2192-885C-4820-B39D-D9C313571FDF}" type="datetimeFigureOut">
               <a:rPr lang="zh-CN" altLang="en-US" smtClean="0"/>
-              <a:t>2020/10/14</a:t>
+              <a:t>2020/11/17</a:t>
             </a:fld>
             <a:endParaRPr lang="zh-CN" altLang="en-US"/>
           </a:p>
@@ -1107,7 +1109,7 @@
           <a:p>
             <a:fld id="{60CB2192-885C-4820-B39D-D9C313571FDF}" type="datetimeFigureOut">
               <a:rPr lang="zh-CN" altLang="en-US" smtClean="0"/>
-              <a:t>2020/10/14</a:t>
+              <a:t>2020/11/17</a:t>
             </a:fld>
             <a:endParaRPr lang="zh-CN" altLang="en-US"/>
           </a:p>
@@ -1348,7 +1350,7 @@
           <a:p>
             <a:fld id="{60CB2192-885C-4820-B39D-D9C313571FDF}" type="datetimeFigureOut">
               <a:rPr lang="zh-CN" altLang="en-US" smtClean="0"/>
-              <a:t>2020/10/14</a:t>
+              <a:t>2020/11/17</a:t>
             </a:fld>
             <a:endParaRPr lang="zh-CN" altLang="en-US"/>
           </a:p>
@@ -1575,7 +1577,7 @@
           <a:p>
             <a:fld id="{60CB2192-885C-4820-B39D-D9C313571FDF}" type="datetimeFigureOut">
               <a:rPr lang="zh-CN" altLang="en-US" smtClean="0"/>
-              <a:t>2020/10/14</a:t>
+              <a:t>2020/11/17</a:t>
             </a:fld>
             <a:endParaRPr lang="zh-CN" altLang="en-US"/>
           </a:p>
@@ -1937,7 +1939,7 @@
           <a:p>
             <a:fld id="{60CB2192-885C-4820-B39D-D9C313571FDF}" type="datetimeFigureOut">
               <a:rPr lang="zh-CN" altLang="en-US" smtClean="0"/>
-              <a:t>2020/10/14</a:t>
+              <a:t>2020/11/17</a:t>
             </a:fld>
             <a:endParaRPr lang="zh-CN" altLang="en-US"/>
           </a:p>
@@ -2050,7 +2052,7 @@
           <a:p>
             <a:fld id="{60CB2192-885C-4820-B39D-D9C313571FDF}" type="datetimeFigureOut">
               <a:rPr lang="zh-CN" altLang="en-US" smtClean="0"/>
-              <a:t>2020/10/14</a:t>
+              <a:t>2020/11/17</a:t>
             </a:fld>
             <a:endParaRPr lang="zh-CN" altLang="en-US"/>
           </a:p>
@@ -2140,7 +2142,7 @@
           <a:p>
             <a:fld id="{60CB2192-885C-4820-B39D-D9C313571FDF}" type="datetimeFigureOut">
               <a:rPr lang="zh-CN" altLang="en-US" smtClean="0"/>
-              <a:t>2020/10/14</a:t>
+              <a:t>2020/11/17</a:t>
             </a:fld>
             <a:endParaRPr lang="zh-CN" altLang="en-US"/>
           </a:p>
@@ -2412,7 +2414,7 @@
           <a:p>
             <a:fld id="{60CB2192-885C-4820-B39D-D9C313571FDF}" type="datetimeFigureOut">
               <a:rPr lang="zh-CN" altLang="en-US" smtClean="0"/>
-              <a:t>2020/10/14</a:t>
+              <a:t>2020/11/17</a:t>
             </a:fld>
             <a:endParaRPr lang="zh-CN" altLang="en-US"/>
           </a:p>
@@ -2664,7 +2666,7 @@
           <a:p>
             <a:fld id="{60CB2192-885C-4820-B39D-D9C313571FDF}" type="datetimeFigureOut">
               <a:rPr lang="zh-CN" altLang="en-US" smtClean="0"/>
-              <a:t>2020/10/14</a:t>
+              <a:t>2020/11/17</a:t>
             </a:fld>
             <a:endParaRPr lang="zh-CN" altLang="en-US"/>
           </a:p>
@@ -2875,7 +2877,7 @@
           <a:p>
             <a:fld id="{60CB2192-885C-4820-B39D-D9C313571FDF}" type="datetimeFigureOut">
               <a:rPr lang="zh-CN" altLang="en-US" smtClean="0"/>
-              <a:t>2020/10/14</a:t>
+              <a:t>2020/11/17</a:t>
             </a:fld>
             <a:endParaRPr lang="zh-CN" altLang="en-US"/>
           </a:p>
@@ -4190,13 +4192,13 @@
   <p:clrMapOvr>
     <a:masterClrMapping/>
   </p:clrMapOvr>
-  <mc:AlternateContent xmlns:mc="http://schemas.openxmlformats.org/markup-compatibility/2006">
-    <mc:Choice xmlns:p14="http://schemas.microsoft.com/office/powerpoint/2010/main" Requires="p14">
+  <mc:AlternateContent xmlns:mc="http://schemas.openxmlformats.org/markup-compatibility/2006" xmlns:p14="http://schemas.microsoft.com/office/powerpoint/2010/main">
+    <mc:Choice Requires="p14">
       <p:transition spd="slow" p14:dur="2000" advTm="3600000">
         <p14:vortex dir="r"/>
       </p:transition>
     </mc:Choice>
-    <mc:Fallback>
+    <mc:Fallback xmlns="">
       <p:transition spd="slow" advTm="3600000">
         <p:fade/>
       </p:transition>
@@ -5169,6 +5171,1030 @@
       </p:sp>
       <p:pic>
         <p:nvPicPr>
+          <p:cNvPr id="7" name="slide4" descr="womenshoes3">
+            <a:extLst>
+              <a:ext uri="{FF2B5EF4-FFF2-40B4-BE49-F238E27FC236}">
+                <a16:creationId xmlns:a16="http://schemas.microsoft.com/office/drawing/2014/main" id="{D27BCA11-25A4-480D-A900-85F8F0C52A8F}"/>
+              </a:ext>
+            </a:extLst>
+          </p:cNvPr>
+          <p:cNvPicPr>
+            <a:picLocks noChangeAspect="1"/>
+          </p:cNvPicPr>
+          <p:nvPr/>
+        </p:nvPicPr>
+        <p:blipFill>
+          <a:blip r:embed="rId2">
+            <a:extLst>
+              <a:ext uri="{28A0092B-C50C-407E-A947-70E740481C1C}">
+                <a14:useLocalDpi xmlns:a14="http://schemas.microsoft.com/office/drawing/2010/main" val="0"/>
+              </a:ext>
+            </a:extLst>
+          </a:blip>
+          <a:stretch>
+            <a:fillRect/>
+          </a:stretch>
+        </p:blipFill>
+        <p:spPr>
+          <a:xfrm>
+            <a:off x="0" y="464344"/>
+            <a:ext cx="9144000" cy="4679156"/>
+          </a:xfrm>
+          <a:prstGeom prst="rect">
+            <a:avLst/>
+          </a:prstGeom>
+        </p:spPr>
+      </p:pic>
+      <p:sp>
+        <p:nvSpPr>
+          <p:cNvPr id="8" name="文本框 7">
+            <a:extLst>
+              <a:ext uri="{FF2B5EF4-FFF2-40B4-BE49-F238E27FC236}">
+                <a16:creationId xmlns:a16="http://schemas.microsoft.com/office/drawing/2014/main" id="{A0F9F069-1EDF-4FF6-A8C7-513B644B79AC}"/>
+              </a:ext>
+            </a:extLst>
+          </p:cNvPr>
+          <p:cNvSpPr txBox="1"/>
+          <p:nvPr/>
+        </p:nvSpPr>
+        <p:spPr>
+          <a:xfrm>
+            <a:off x="2863779" y="2704441"/>
+            <a:ext cx="4622242" cy="738664"/>
+          </a:xfrm>
+          <a:prstGeom prst="rect">
+            <a:avLst/>
+          </a:prstGeom>
+          <a:noFill/>
+        </p:spPr>
+        <p:txBody>
+          <a:bodyPr wrap="square">
+            <a:spAutoFit/>
+          </a:bodyPr>
+          <a:lstStyle/>
+          <a:p>
+            <a:pPr marL="285750" indent="-285750" algn="just">
+              <a:buFont typeface="Arial" panose="020B0604020202020204" pitchFamily="34" charset="0"/>
+              <a:buChar char="•"/>
+            </a:pPr>
+            <a:r>
+              <a:rPr lang="zh-CN" altLang="en-US" sz="1400" b="1" dirty="0">
+                <a:latin typeface="华文楷体" panose="02010600040101010101" pitchFamily="2" charset="-122"/>
+                <a:ea typeface="华文楷体" panose="02010600040101010101" pitchFamily="2" charset="-122"/>
+              </a:rPr>
+              <a:t>仿皮革、仿绒面革材质的女鞋售出均价都高于均价，但销售比低，可发掘其市场，对目标群体做进一步调研分析</a:t>
+            </a:r>
+            <a:endParaRPr lang="en-US" altLang="zh-CN" sz="1400" b="1" dirty="0">
+              <a:latin typeface="华文楷体" panose="02010600040101010101" pitchFamily="2" charset="-122"/>
+              <a:ea typeface="华文楷体" panose="02010600040101010101" pitchFamily="2" charset="-122"/>
+            </a:endParaRPr>
+          </a:p>
+        </p:txBody>
+      </p:sp>
+    </p:spTree>
+    <p:extLst>
+      <p:ext uri="{BB962C8B-B14F-4D97-AF65-F5344CB8AC3E}">
+        <p14:creationId xmlns:p14="http://schemas.microsoft.com/office/powerpoint/2010/main" val="3257441583"/>
+      </p:ext>
+    </p:extLst>
+  </p:cSld>
+  <p:clrMapOvr>
+    <a:masterClrMapping/>
+  </p:clrMapOvr>
+  <mc:AlternateContent xmlns:mc="http://schemas.openxmlformats.org/markup-compatibility/2006" xmlns:p14="http://schemas.microsoft.com/office/powerpoint/2010/main">
+    <mc:Choice Requires="p14">
+      <p:transition spd="slow" advTm="3600000">
+        <p14:switch dir="r"/>
+      </p:transition>
+    </mc:Choice>
+    <mc:Fallback xmlns="">
+      <p:transition spd="slow" advTm="3600000">
+        <p:fade/>
+      </p:transition>
+    </mc:Fallback>
+  </mc:AlternateContent>
+</p:sld>
+</file>
+
+<file path=ppt/slides/slide11.xml><?xml version="1.0" encoding="utf-8"?>
+<p:sld xmlns:a="http://schemas.openxmlformats.org/drawingml/2006/main" xmlns:r="http://schemas.openxmlformats.org/officeDocument/2006/relationships" xmlns:p="http://schemas.openxmlformats.org/presentationml/2006/main">
+  <p:cSld>
+    <p:spTree>
+      <p:nvGrpSpPr>
+        <p:cNvPr id="1" name=""/>
+        <p:cNvGrpSpPr/>
+        <p:nvPr/>
+      </p:nvGrpSpPr>
+      <p:grpSpPr>
+        <a:xfrm>
+          <a:off x="0" y="0"/>
+          <a:ext cx="0" cy="0"/>
+          <a:chOff x="0" y="0"/>
+          <a:chExt cx="0" cy="0"/>
+        </a:xfrm>
+      </p:grpSpPr>
+      <p:cxnSp>
+        <p:nvCxnSpPr>
+          <p:cNvPr id="5" name="直接连接符 46"/>
+          <p:cNvCxnSpPr>
+            <a:cxnSpLocks noChangeShapeType="1"/>
+          </p:cNvCxnSpPr>
+          <p:nvPr/>
+        </p:nvCxnSpPr>
+        <p:spPr bwMode="auto">
+          <a:xfrm flipH="1">
+            <a:off x="463790" y="445386"/>
+            <a:ext cx="8047164" cy="0"/>
+          </a:xfrm>
+          <a:prstGeom prst="line">
+            <a:avLst/>
+          </a:prstGeom>
+          <a:noFill/>
+          <a:ln w="9525" cmpd="sng">
+            <a:solidFill>
+              <a:srgbClr val="4D4948"/>
+            </a:solidFill>
+            <a:round/>
+          </a:ln>
+          <a:effectLst/>
+          <a:extLst>
+            <a:ext uri="{909E8E84-426E-40DD-AFC4-6F175D3DCCD1}">
+              <a14:hiddenFill xmlns:a14="http://schemas.microsoft.com/office/drawing/2010/main">
+                <a:noFill/>
+              </a14:hiddenFill>
+            </a:ext>
+            <a:ext uri="{AF507438-7753-43E0-B8FC-AC1667EBCBE1}">
+              <a14:hiddenEffects xmlns:a14="http://schemas.microsoft.com/office/drawing/2010/main">
+                <a:effectLst>
+                  <a:outerShdw dist="35921" dir="2700000" algn="ctr" rotWithShape="0">
+                    <a:schemeClr val="bg2"/>
+                  </a:outerShdw>
+                </a:effectLst>
+              </a14:hiddenEffects>
+            </a:ext>
+          </a:extLst>
+        </p:spPr>
+      </p:cxnSp>
+      <p:sp>
+        <p:nvSpPr>
+          <p:cNvPr id="2" name="矩形 1">
+            <a:extLst>
+              <a:ext uri="{FF2B5EF4-FFF2-40B4-BE49-F238E27FC236}">
+                <a16:creationId xmlns:a16="http://schemas.microsoft.com/office/drawing/2014/main" id="{1B74DF05-D47F-4D69-A685-38D383BD456E}"/>
+              </a:ext>
+            </a:extLst>
+          </p:cNvPr>
+          <p:cNvSpPr>
+            <a:spLocks noChangeArrowheads="1"/>
+          </p:cNvSpPr>
+          <p:nvPr/>
+        </p:nvSpPr>
+        <p:spPr bwMode="auto">
+          <a:xfrm>
+            <a:off x="0" y="0"/>
+            <a:ext cx="1499191" cy="441325"/>
+          </a:xfrm>
+          <a:prstGeom prst="rect">
+            <a:avLst/>
+          </a:prstGeom>
+          <a:solidFill>
+            <a:schemeClr val="accent1">
+              <a:lumMod val="60000"/>
+              <a:lumOff val="40000"/>
+            </a:schemeClr>
+          </a:solidFill>
+          <a:ln>
+            <a:noFill/>
+          </a:ln>
+        </p:spPr>
+        <p:txBody>
+          <a:bodyPr/>
+          <a:lstStyle>
+            <a:lvl1pPr eaLnBrk="0" hangingPunct="0">
+              <a:defRPr>
+                <a:solidFill>
+                  <a:schemeClr val="tx1"/>
+                </a:solidFill>
+                <a:latin typeface="Arial" panose="020B0604020202020204" pitchFamily="34" charset="0"/>
+                <a:ea typeface="宋体" panose="02010600030101010101" pitchFamily="2" charset="-122"/>
+              </a:defRPr>
+            </a:lvl1pPr>
+            <a:lvl2pPr marL="742950" indent="-285750" eaLnBrk="0" hangingPunct="0">
+              <a:defRPr>
+                <a:solidFill>
+                  <a:schemeClr val="tx1"/>
+                </a:solidFill>
+                <a:latin typeface="Arial" panose="020B0604020202020204" pitchFamily="34" charset="0"/>
+                <a:ea typeface="宋体" panose="02010600030101010101" pitchFamily="2" charset="-122"/>
+              </a:defRPr>
+            </a:lvl2pPr>
+            <a:lvl3pPr marL="1143000" indent="-228600" eaLnBrk="0" hangingPunct="0">
+              <a:defRPr>
+                <a:solidFill>
+                  <a:schemeClr val="tx1"/>
+                </a:solidFill>
+                <a:latin typeface="Arial" panose="020B0604020202020204" pitchFamily="34" charset="0"/>
+                <a:ea typeface="宋体" panose="02010600030101010101" pitchFamily="2" charset="-122"/>
+              </a:defRPr>
+            </a:lvl3pPr>
+            <a:lvl4pPr marL="1600200" indent="-228600" eaLnBrk="0" hangingPunct="0">
+              <a:defRPr>
+                <a:solidFill>
+                  <a:schemeClr val="tx1"/>
+                </a:solidFill>
+                <a:latin typeface="Arial" panose="020B0604020202020204" pitchFamily="34" charset="0"/>
+                <a:ea typeface="宋体" panose="02010600030101010101" pitchFamily="2" charset="-122"/>
+              </a:defRPr>
+            </a:lvl4pPr>
+            <a:lvl5pPr marL="2057400" indent="-228600" eaLnBrk="0" hangingPunct="0">
+              <a:defRPr>
+                <a:solidFill>
+                  <a:schemeClr val="tx1"/>
+                </a:solidFill>
+                <a:latin typeface="Arial" panose="020B0604020202020204" pitchFamily="34" charset="0"/>
+                <a:ea typeface="宋体" panose="02010600030101010101" pitchFamily="2" charset="-122"/>
+              </a:defRPr>
+            </a:lvl5pPr>
+            <a:lvl6pPr marL="2514600" indent="-228600" eaLnBrk="0" fontAlgn="base" hangingPunct="0">
+              <a:spcBef>
+                <a:spcPct val="0"/>
+              </a:spcBef>
+              <a:spcAft>
+                <a:spcPct val="0"/>
+              </a:spcAft>
+              <a:buFont typeface="Arial" panose="020B0604020202020204" pitchFamily="34" charset="0"/>
+              <a:defRPr>
+                <a:solidFill>
+                  <a:schemeClr val="tx1"/>
+                </a:solidFill>
+                <a:latin typeface="Arial" panose="020B0604020202020204" pitchFamily="34" charset="0"/>
+                <a:ea typeface="宋体" panose="02010600030101010101" pitchFamily="2" charset="-122"/>
+              </a:defRPr>
+            </a:lvl6pPr>
+            <a:lvl7pPr marL="2971800" indent="-228600" eaLnBrk="0" fontAlgn="base" hangingPunct="0">
+              <a:spcBef>
+                <a:spcPct val="0"/>
+              </a:spcBef>
+              <a:spcAft>
+                <a:spcPct val="0"/>
+              </a:spcAft>
+              <a:buFont typeface="Arial" panose="020B0604020202020204" pitchFamily="34" charset="0"/>
+              <a:defRPr>
+                <a:solidFill>
+                  <a:schemeClr val="tx1"/>
+                </a:solidFill>
+                <a:latin typeface="Arial" panose="020B0604020202020204" pitchFamily="34" charset="0"/>
+                <a:ea typeface="宋体" panose="02010600030101010101" pitchFamily="2" charset="-122"/>
+              </a:defRPr>
+            </a:lvl7pPr>
+            <a:lvl8pPr marL="3429000" indent="-228600" eaLnBrk="0" fontAlgn="base" hangingPunct="0">
+              <a:spcBef>
+                <a:spcPct val="0"/>
+              </a:spcBef>
+              <a:spcAft>
+                <a:spcPct val="0"/>
+              </a:spcAft>
+              <a:buFont typeface="Arial" panose="020B0604020202020204" pitchFamily="34" charset="0"/>
+              <a:defRPr>
+                <a:solidFill>
+                  <a:schemeClr val="tx1"/>
+                </a:solidFill>
+                <a:latin typeface="Arial" panose="020B0604020202020204" pitchFamily="34" charset="0"/>
+                <a:ea typeface="宋体" panose="02010600030101010101" pitchFamily="2" charset="-122"/>
+              </a:defRPr>
+            </a:lvl8pPr>
+            <a:lvl9pPr marL="3886200" indent="-228600" eaLnBrk="0" fontAlgn="base" hangingPunct="0">
+              <a:spcBef>
+                <a:spcPct val="0"/>
+              </a:spcBef>
+              <a:spcAft>
+                <a:spcPct val="0"/>
+              </a:spcAft>
+              <a:buFont typeface="Arial" panose="020B0604020202020204" pitchFamily="34" charset="0"/>
+              <a:defRPr>
+                <a:solidFill>
+                  <a:schemeClr val="tx1"/>
+                </a:solidFill>
+                <a:latin typeface="Arial" panose="020B0604020202020204" pitchFamily="34" charset="0"/>
+                <a:ea typeface="宋体" panose="02010600030101010101" pitchFamily="2" charset="-122"/>
+              </a:defRPr>
+            </a:lvl9pPr>
+          </a:lstStyle>
+          <a:p>
+            <a:pPr eaLnBrk="1" hangingPunct="1"/>
+            <a:endParaRPr lang="zh-CN" altLang="en-US"/>
+          </a:p>
+        </p:txBody>
+      </p:sp>
+      <p:sp>
+        <p:nvSpPr>
+          <p:cNvPr id="3" name="TextBox 6">
+            <a:extLst>
+              <a:ext uri="{FF2B5EF4-FFF2-40B4-BE49-F238E27FC236}">
+                <a16:creationId xmlns:a16="http://schemas.microsoft.com/office/drawing/2014/main" id="{CD1A4EA9-C063-4929-BAF9-6331674006E1}"/>
+              </a:ext>
+            </a:extLst>
+          </p:cNvPr>
+          <p:cNvSpPr txBox="1">
+            <a:spLocks noChangeArrowheads="1"/>
+          </p:cNvSpPr>
+          <p:nvPr/>
+        </p:nvSpPr>
+        <p:spPr bwMode="auto">
+          <a:xfrm>
+            <a:off x="0" y="21265"/>
+            <a:ext cx="1240148" cy="461665"/>
+          </a:xfrm>
+          <a:prstGeom prst="rect">
+            <a:avLst/>
+          </a:prstGeom>
+          <a:noFill/>
+          <a:ln>
+            <a:noFill/>
+          </a:ln>
+          <a:extLst>
+            <a:ext uri="{909E8E84-426E-40DD-AFC4-6F175D3DCCD1}">
+              <a14:hiddenFill xmlns:a14="http://schemas.microsoft.com/office/drawing/2010/main">
+                <a:solidFill>
+                  <a:srgbClr val="FFFFFF"/>
+                </a:solidFill>
+              </a14:hiddenFill>
+            </a:ext>
+            <a:ext uri="{91240B29-F687-4F45-9708-019B960494DF}">
+              <a14:hiddenLine xmlns:a14="http://schemas.microsoft.com/office/drawing/2010/main" w="9525">
+                <a:solidFill>
+                  <a:srgbClr val="000000"/>
+                </a:solidFill>
+                <a:miter lim="800000"/>
+                <a:headEnd/>
+                <a:tailEnd/>
+              </a14:hiddenLine>
+            </a:ext>
+          </a:extLst>
+        </p:spPr>
+        <p:txBody>
+          <a:bodyPr wrap="none">
+            <a:spAutoFit/>
+          </a:bodyPr>
+          <a:lstStyle>
+            <a:lvl1pPr eaLnBrk="0" hangingPunct="0">
+              <a:defRPr>
+                <a:solidFill>
+                  <a:schemeClr val="tx1"/>
+                </a:solidFill>
+                <a:latin typeface="Arial" panose="020B0604020202020204" pitchFamily="34" charset="0"/>
+                <a:ea typeface="宋体" panose="02010600030101010101" pitchFamily="2" charset="-122"/>
+              </a:defRPr>
+            </a:lvl1pPr>
+            <a:lvl2pPr marL="742950" indent="-285750" eaLnBrk="0" hangingPunct="0">
+              <a:defRPr>
+                <a:solidFill>
+                  <a:schemeClr val="tx1"/>
+                </a:solidFill>
+                <a:latin typeface="Arial" panose="020B0604020202020204" pitchFamily="34" charset="0"/>
+                <a:ea typeface="宋体" panose="02010600030101010101" pitchFamily="2" charset="-122"/>
+              </a:defRPr>
+            </a:lvl2pPr>
+            <a:lvl3pPr marL="1143000" indent="-228600" eaLnBrk="0" hangingPunct="0">
+              <a:defRPr>
+                <a:solidFill>
+                  <a:schemeClr val="tx1"/>
+                </a:solidFill>
+                <a:latin typeface="Arial" panose="020B0604020202020204" pitchFamily="34" charset="0"/>
+                <a:ea typeface="宋体" panose="02010600030101010101" pitchFamily="2" charset="-122"/>
+              </a:defRPr>
+            </a:lvl3pPr>
+            <a:lvl4pPr marL="1600200" indent="-228600" eaLnBrk="0" hangingPunct="0">
+              <a:defRPr>
+                <a:solidFill>
+                  <a:schemeClr val="tx1"/>
+                </a:solidFill>
+                <a:latin typeface="Arial" panose="020B0604020202020204" pitchFamily="34" charset="0"/>
+                <a:ea typeface="宋体" panose="02010600030101010101" pitchFamily="2" charset="-122"/>
+              </a:defRPr>
+            </a:lvl4pPr>
+            <a:lvl5pPr marL="2057400" indent="-228600" eaLnBrk="0" hangingPunct="0">
+              <a:defRPr>
+                <a:solidFill>
+                  <a:schemeClr val="tx1"/>
+                </a:solidFill>
+                <a:latin typeface="Arial" panose="020B0604020202020204" pitchFamily="34" charset="0"/>
+                <a:ea typeface="宋体" panose="02010600030101010101" pitchFamily="2" charset="-122"/>
+              </a:defRPr>
+            </a:lvl5pPr>
+            <a:lvl6pPr marL="2514600" indent="-228600" eaLnBrk="0" fontAlgn="base" hangingPunct="0">
+              <a:spcBef>
+                <a:spcPct val="0"/>
+              </a:spcBef>
+              <a:spcAft>
+                <a:spcPct val="0"/>
+              </a:spcAft>
+              <a:buFont typeface="Arial" panose="020B0604020202020204" pitchFamily="34" charset="0"/>
+              <a:defRPr>
+                <a:solidFill>
+                  <a:schemeClr val="tx1"/>
+                </a:solidFill>
+                <a:latin typeface="Arial" panose="020B0604020202020204" pitchFamily="34" charset="0"/>
+                <a:ea typeface="宋体" panose="02010600030101010101" pitchFamily="2" charset="-122"/>
+              </a:defRPr>
+            </a:lvl6pPr>
+            <a:lvl7pPr marL="2971800" indent="-228600" eaLnBrk="0" fontAlgn="base" hangingPunct="0">
+              <a:spcBef>
+                <a:spcPct val="0"/>
+              </a:spcBef>
+              <a:spcAft>
+                <a:spcPct val="0"/>
+              </a:spcAft>
+              <a:buFont typeface="Arial" panose="020B0604020202020204" pitchFamily="34" charset="0"/>
+              <a:defRPr>
+                <a:solidFill>
+                  <a:schemeClr val="tx1"/>
+                </a:solidFill>
+                <a:latin typeface="Arial" panose="020B0604020202020204" pitchFamily="34" charset="0"/>
+                <a:ea typeface="宋体" panose="02010600030101010101" pitchFamily="2" charset="-122"/>
+              </a:defRPr>
+            </a:lvl7pPr>
+            <a:lvl8pPr marL="3429000" indent="-228600" eaLnBrk="0" fontAlgn="base" hangingPunct="0">
+              <a:spcBef>
+                <a:spcPct val="0"/>
+              </a:spcBef>
+              <a:spcAft>
+                <a:spcPct val="0"/>
+              </a:spcAft>
+              <a:buFont typeface="Arial" panose="020B0604020202020204" pitchFamily="34" charset="0"/>
+              <a:defRPr>
+                <a:solidFill>
+                  <a:schemeClr val="tx1"/>
+                </a:solidFill>
+                <a:latin typeface="Arial" panose="020B0604020202020204" pitchFamily="34" charset="0"/>
+                <a:ea typeface="宋体" panose="02010600030101010101" pitchFamily="2" charset="-122"/>
+              </a:defRPr>
+            </a:lvl8pPr>
+            <a:lvl9pPr marL="3886200" indent="-228600" eaLnBrk="0" fontAlgn="base" hangingPunct="0">
+              <a:spcBef>
+                <a:spcPct val="0"/>
+              </a:spcBef>
+              <a:spcAft>
+                <a:spcPct val="0"/>
+              </a:spcAft>
+              <a:buFont typeface="Arial" panose="020B0604020202020204" pitchFamily="34" charset="0"/>
+              <a:defRPr>
+                <a:solidFill>
+                  <a:schemeClr val="tx1"/>
+                </a:solidFill>
+                <a:latin typeface="Arial" panose="020B0604020202020204" pitchFamily="34" charset="0"/>
+                <a:ea typeface="宋体" panose="02010600030101010101" pitchFamily="2" charset="-122"/>
+              </a:defRPr>
+            </a:lvl9pPr>
+          </a:lstStyle>
+          <a:p>
+            <a:pPr eaLnBrk="1" hangingPunct="1"/>
+            <a:r>
+              <a:rPr lang="en-US" altLang="zh-CN" sz="2400" dirty="0">
+                <a:solidFill>
+                  <a:srgbClr val="504B48"/>
+                </a:solidFill>
+                <a:effectLst>
+                  <a:outerShdw blurRad="38100" dist="38100" dir="2700000" algn="tl">
+                    <a:srgbClr val="000000">
+                      <a:alpha val="43137"/>
+                    </a:srgbClr>
+                  </a:outerShdw>
+                </a:effectLst>
+                <a:latin typeface="Rockwell" panose="02060603020205020403" pitchFamily="18" charset="0"/>
+                <a:ea typeface="微软雅黑" panose="020B0503020204020204" pitchFamily="34" charset="-122"/>
+              </a:rPr>
+              <a:t>Figures</a:t>
+            </a:r>
+            <a:endParaRPr lang="zh-CN" altLang="en-US" sz="2400" dirty="0">
+              <a:solidFill>
+                <a:srgbClr val="504B48"/>
+              </a:solidFill>
+              <a:effectLst>
+                <a:outerShdw blurRad="38100" dist="38100" dir="2700000" algn="tl">
+                  <a:srgbClr val="000000">
+                    <a:alpha val="43137"/>
+                  </a:srgbClr>
+                </a:outerShdw>
+              </a:effectLst>
+              <a:latin typeface="Rockwell" panose="02060603020205020403" pitchFamily="18" charset="0"/>
+              <a:ea typeface="微软雅黑" panose="020B0503020204020204" pitchFamily="34" charset="-122"/>
+            </a:endParaRPr>
+          </a:p>
+        </p:txBody>
+      </p:sp>
+      <p:pic>
+        <p:nvPicPr>
+          <p:cNvPr id="7" name="slide4" descr="womenshoes3">
+            <a:extLst>
+              <a:ext uri="{FF2B5EF4-FFF2-40B4-BE49-F238E27FC236}">
+                <a16:creationId xmlns:a16="http://schemas.microsoft.com/office/drawing/2014/main" id="{D27BCA11-25A4-480D-A900-85F8F0C52A8F}"/>
+              </a:ext>
+            </a:extLst>
+          </p:cNvPr>
+          <p:cNvPicPr>
+            <a:picLocks noChangeAspect="1"/>
+          </p:cNvPicPr>
+          <p:nvPr/>
+        </p:nvPicPr>
+        <p:blipFill>
+          <a:blip r:embed="rId2">
+            <a:extLst>
+              <a:ext uri="{28A0092B-C50C-407E-A947-70E740481C1C}">
+                <a14:useLocalDpi xmlns:a14="http://schemas.microsoft.com/office/drawing/2010/main" val="0"/>
+              </a:ext>
+            </a:extLst>
+          </a:blip>
+          <a:stretch>
+            <a:fillRect/>
+          </a:stretch>
+        </p:blipFill>
+        <p:spPr>
+          <a:xfrm>
+            <a:off x="0" y="464344"/>
+            <a:ext cx="9144000" cy="4679156"/>
+          </a:xfrm>
+          <a:prstGeom prst="rect">
+            <a:avLst/>
+          </a:prstGeom>
+        </p:spPr>
+      </p:pic>
+      <p:sp>
+        <p:nvSpPr>
+          <p:cNvPr id="8" name="文本框 7">
+            <a:extLst>
+              <a:ext uri="{FF2B5EF4-FFF2-40B4-BE49-F238E27FC236}">
+                <a16:creationId xmlns:a16="http://schemas.microsoft.com/office/drawing/2014/main" id="{A0F9F069-1EDF-4FF6-A8C7-513B644B79AC}"/>
+              </a:ext>
+            </a:extLst>
+          </p:cNvPr>
+          <p:cNvSpPr txBox="1"/>
+          <p:nvPr/>
+        </p:nvSpPr>
+        <p:spPr>
+          <a:xfrm>
+            <a:off x="2863779" y="2704441"/>
+            <a:ext cx="4622242" cy="954107"/>
+          </a:xfrm>
+          <a:prstGeom prst="rect">
+            <a:avLst/>
+          </a:prstGeom>
+          <a:noFill/>
+        </p:spPr>
+        <p:txBody>
+          <a:bodyPr wrap="square">
+            <a:spAutoFit/>
+          </a:bodyPr>
+          <a:lstStyle/>
+          <a:p>
+            <a:pPr marL="285750" indent="-285750" algn="just">
+              <a:buFont typeface="Arial" panose="020B0604020202020204" pitchFamily="34" charset="0"/>
+              <a:buChar char="•"/>
+            </a:pPr>
+            <a:r>
+              <a:rPr lang="zh-CN" altLang="en-US" sz="1400" b="1" dirty="0">
+                <a:latin typeface="华文楷体" panose="02010600040101010101" pitchFamily="2" charset="-122"/>
+                <a:ea typeface="华文楷体" panose="02010600040101010101" pitchFamily="2" charset="-122"/>
+              </a:rPr>
+              <a:t>高价材质中皮革和绒面革卖的最好，织物、橡胶、羊毛、EVA、蕾丝材质的鞋在售出比尚可的情况下，售出均价并未比均价低太多，可对其进一步研究市场和用户调研</a:t>
+            </a:r>
+          </a:p>
+        </p:txBody>
+      </p:sp>
+    </p:spTree>
+    <p:extLst>
+      <p:ext uri="{BB962C8B-B14F-4D97-AF65-F5344CB8AC3E}">
+        <p14:creationId xmlns:p14="http://schemas.microsoft.com/office/powerpoint/2010/main" val="4250047924"/>
+      </p:ext>
+    </p:extLst>
+  </p:cSld>
+  <p:clrMapOvr>
+    <a:masterClrMapping/>
+  </p:clrMapOvr>
+  <mc:AlternateContent xmlns:mc="http://schemas.openxmlformats.org/markup-compatibility/2006" xmlns:p14="http://schemas.microsoft.com/office/powerpoint/2010/main">
+    <mc:Choice Requires="p14">
+      <p:transition spd="slow" advTm="3600000">
+        <p14:switch dir="r"/>
+      </p:transition>
+    </mc:Choice>
+    <mc:Fallback xmlns="">
+      <p:transition spd="slow" advTm="3600000">
+        <p:fade/>
+      </p:transition>
+    </mc:Fallback>
+  </mc:AlternateContent>
+</p:sld>
+</file>
+
+<file path=ppt/slides/slide12.xml><?xml version="1.0" encoding="utf-8"?>
+<p:sld xmlns:a="http://schemas.openxmlformats.org/drawingml/2006/main" xmlns:r="http://schemas.openxmlformats.org/officeDocument/2006/relationships" xmlns:p="http://schemas.openxmlformats.org/presentationml/2006/main">
+  <p:cSld>
+    <p:spTree>
+      <p:nvGrpSpPr>
+        <p:cNvPr id="1" name=""/>
+        <p:cNvGrpSpPr/>
+        <p:nvPr/>
+      </p:nvGrpSpPr>
+      <p:grpSpPr>
+        <a:xfrm>
+          <a:off x="0" y="0"/>
+          <a:ext cx="0" cy="0"/>
+          <a:chOff x="0" y="0"/>
+          <a:chExt cx="0" cy="0"/>
+        </a:xfrm>
+      </p:grpSpPr>
+      <p:cxnSp>
+        <p:nvCxnSpPr>
+          <p:cNvPr id="5" name="直接连接符 46"/>
+          <p:cNvCxnSpPr>
+            <a:cxnSpLocks noChangeShapeType="1"/>
+          </p:cNvCxnSpPr>
+          <p:nvPr/>
+        </p:nvCxnSpPr>
+        <p:spPr bwMode="auto">
+          <a:xfrm flipH="1">
+            <a:off x="463790" y="445386"/>
+            <a:ext cx="8047164" cy="0"/>
+          </a:xfrm>
+          <a:prstGeom prst="line">
+            <a:avLst/>
+          </a:prstGeom>
+          <a:noFill/>
+          <a:ln w="9525" cmpd="sng">
+            <a:solidFill>
+              <a:srgbClr val="4D4948"/>
+            </a:solidFill>
+            <a:round/>
+          </a:ln>
+          <a:effectLst/>
+          <a:extLst>
+            <a:ext uri="{909E8E84-426E-40DD-AFC4-6F175D3DCCD1}">
+              <a14:hiddenFill xmlns:a14="http://schemas.microsoft.com/office/drawing/2010/main">
+                <a:noFill/>
+              </a14:hiddenFill>
+            </a:ext>
+            <a:ext uri="{AF507438-7753-43E0-B8FC-AC1667EBCBE1}">
+              <a14:hiddenEffects xmlns:a14="http://schemas.microsoft.com/office/drawing/2010/main">
+                <a:effectLst>
+                  <a:outerShdw dist="35921" dir="2700000" algn="ctr" rotWithShape="0">
+                    <a:schemeClr val="bg2"/>
+                  </a:outerShdw>
+                </a:effectLst>
+              </a14:hiddenEffects>
+            </a:ext>
+          </a:extLst>
+        </p:spPr>
+      </p:cxnSp>
+      <p:sp>
+        <p:nvSpPr>
+          <p:cNvPr id="2" name="矩形 1">
+            <a:extLst>
+              <a:ext uri="{FF2B5EF4-FFF2-40B4-BE49-F238E27FC236}">
+                <a16:creationId xmlns:a16="http://schemas.microsoft.com/office/drawing/2014/main" id="{1B74DF05-D47F-4D69-A685-38D383BD456E}"/>
+              </a:ext>
+            </a:extLst>
+          </p:cNvPr>
+          <p:cNvSpPr>
+            <a:spLocks noChangeArrowheads="1"/>
+          </p:cNvSpPr>
+          <p:nvPr/>
+        </p:nvSpPr>
+        <p:spPr bwMode="auto">
+          <a:xfrm>
+            <a:off x="0" y="0"/>
+            <a:ext cx="1499191" cy="441325"/>
+          </a:xfrm>
+          <a:prstGeom prst="rect">
+            <a:avLst/>
+          </a:prstGeom>
+          <a:solidFill>
+            <a:schemeClr val="accent1">
+              <a:lumMod val="60000"/>
+              <a:lumOff val="40000"/>
+            </a:schemeClr>
+          </a:solidFill>
+          <a:ln>
+            <a:noFill/>
+          </a:ln>
+        </p:spPr>
+        <p:txBody>
+          <a:bodyPr/>
+          <a:lstStyle>
+            <a:lvl1pPr eaLnBrk="0" hangingPunct="0">
+              <a:defRPr>
+                <a:solidFill>
+                  <a:schemeClr val="tx1"/>
+                </a:solidFill>
+                <a:latin typeface="Arial" panose="020B0604020202020204" pitchFamily="34" charset="0"/>
+                <a:ea typeface="宋体" panose="02010600030101010101" pitchFamily="2" charset="-122"/>
+              </a:defRPr>
+            </a:lvl1pPr>
+            <a:lvl2pPr marL="742950" indent="-285750" eaLnBrk="0" hangingPunct="0">
+              <a:defRPr>
+                <a:solidFill>
+                  <a:schemeClr val="tx1"/>
+                </a:solidFill>
+                <a:latin typeface="Arial" panose="020B0604020202020204" pitchFamily="34" charset="0"/>
+                <a:ea typeface="宋体" panose="02010600030101010101" pitchFamily="2" charset="-122"/>
+              </a:defRPr>
+            </a:lvl2pPr>
+            <a:lvl3pPr marL="1143000" indent="-228600" eaLnBrk="0" hangingPunct="0">
+              <a:defRPr>
+                <a:solidFill>
+                  <a:schemeClr val="tx1"/>
+                </a:solidFill>
+                <a:latin typeface="Arial" panose="020B0604020202020204" pitchFamily="34" charset="0"/>
+                <a:ea typeface="宋体" panose="02010600030101010101" pitchFamily="2" charset="-122"/>
+              </a:defRPr>
+            </a:lvl3pPr>
+            <a:lvl4pPr marL="1600200" indent="-228600" eaLnBrk="0" hangingPunct="0">
+              <a:defRPr>
+                <a:solidFill>
+                  <a:schemeClr val="tx1"/>
+                </a:solidFill>
+                <a:latin typeface="Arial" panose="020B0604020202020204" pitchFamily="34" charset="0"/>
+                <a:ea typeface="宋体" panose="02010600030101010101" pitchFamily="2" charset="-122"/>
+              </a:defRPr>
+            </a:lvl4pPr>
+            <a:lvl5pPr marL="2057400" indent="-228600" eaLnBrk="0" hangingPunct="0">
+              <a:defRPr>
+                <a:solidFill>
+                  <a:schemeClr val="tx1"/>
+                </a:solidFill>
+                <a:latin typeface="Arial" panose="020B0604020202020204" pitchFamily="34" charset="0"/>
+                <a:ea typeface="宋体" panose="02010600030101010101" pitchFamily="2" charset="-122"/>
+              </a:defRPr>
+            </a:lvl5pPr>
+            <a:lvl6pPr marL="2514600" indent="-228600" eaLnBrk="0" fontAlgn="base" hangingPunct="0">
+              <a:spcBef>
+                <a:spcPct val="0"/>
+              </a:spcBef>
+              <a:spcAft>
+                <a:spcPct val="0"/>
+              </a:spcAft>
+              <a:buFont typeface="Arial" panose="020B0604020202020204" pitchFamily="34" charset="0"/>
+              <a:defRPr>
+                <a:solidFill>
+                  <a:schemeClr val="tx1"/>
+                </a:solidFill>
+                <a:latin typeface="Arial" panose="020B0604020202020204" pitchFamily="34" charset="0"/>
+                <a:ea typeface="宋体" panose="02010600030101010101" pitchFamily="2" charset="-122"/>
+              </a:defRPr>
+            </a:lvl6pPr>
+            <a:lvl7pPr marL="2971800" indent="-228600" eaLnBrk="0" fontAlgn="base" hangingPunct="0">
+              <a:spcBef>
+                <a:spcPct val="0"/>
+              </a:spcBef>
+              <a:spcAft>
+                <a:spcPct val="0"/>
+              </a:spcAft>
+              <a:buFont typeface="Arial" panose="020B0604020202020204" pitchFamily="34" charset="0"/>
+              <a:defRPr>
+                <a:solidFill>
+                  <a:schemeClr val="tx1"/>
+                </a:solidFill>
+                <a:latin typeface="Arial" panose="020B0604020202020204" pitchFamily="34" charset="0"/>
+                <a:ea typeface="宋体" panose="02010600030101010101" pitchFamily="2" charset="-122"/>
+              </a:defRPr>
+            </a:lvl7pPr>
+            <a:lvl8pPr marL="3429000" indent="-228600" eaLnBrk="0" fontAlgn="base" hangingPunct="0">
+              <a:spcBef>
+                <a:spcPct val="0"/>
+              </a:spcBef>
+              <a:spcAft>
+                <a:spcPct val="0"/>
+              </a:spcAft>
+              <a:buFont typeface="Arial" panose="020B0604020202020204" pitchFamily="34" charset="0"/>
+              <a:defRPr>
+                <a:solidFill>
+                  <a:schemeClr val="tx1"/>
+                </a:solidFill>
+                <a:latin typeface="Arial" panose="020B0604020202020204" pitchFamily="34" charset="0"/>
+                <a:ea typeface="宋体" panose="02010600030101010101" pitchFamily="2" charset="-122"/>
+              </a:defRPr>
+            </a:lvl8pPr>
+            <a:lvl9pPr marL="3886200" indent="-228600" eaLnBrk="0" fontAlgn="base" hangingPunct="0">
+              <a:spcBef>
+                <a:spcPct val="0"/>
+              </a:spcBef>
+              <a:spcAft>
+                <a:spcPct val="0"/>
+              </a:spcAft>
+              <a:buFont typeface="Arial" panose="020B0604020202020204" pitchFamily="34" charset="0"/>
+              <a:defRPr>
+                <a:solidFill>
+                  <a:schemeClr val="tx1"/>
+                </a:solidFill>
+                <a:latin typeface="Arial" panose="020B0604020202020204" pitchFamily="34" charset="0"/>
+                <a:ea typeface="宋体" panose="02010600030101010101" pitchFamily="2" charset="-122"/>
+              </a:defRPr>
+            </a:lvl9pPr>
+          </a:lstStyle>
+          <a:p>
+            <a:pPr eaLnBrk="1" hangingPunct="1"/>
+            <a:endParaRPr lang="zh-CN" altLang="en-US"/>
+          </a:p>
+        </p:txBody>
+      </p:sp>
+      <p:sp>
+        <p:nvSpPr>
+          <p:cNvPr id="3" name="TextBox 6">
+            <a:extLst>
+              <a:ext uri="{FF2B5EF4-FFF2-40B4-BE49-F238E27FC236}">
+                <a16:creationId xmlns:a16="http://schemas.microsoft.com/office/drawing/2014/main" id="{CD1A4EA9-C063-4929-BAF9-6331674006E1}"/>
+              </a:ext>
+            </a:extLst>
+          </p:cNvPr>
+          <p:cNvSpPr txBox="1">
+            <a:spLocks noChangeArrowheads="1"/>
+          </p:cNvSpPr>
+          <p:nvPr/>
+        </p:nvSpPr>
+        <p:spPr bwMode="auto">
+          <a:xfrm>
+            <a:off x="0" y="21265"/>
+            <a:ext cx="1240148" cy="461665"/>
+          </a:xfrm>
+          <a:prstGeom prst="rect">
+            <a:avLst/>
+          </a:prstGeom>
+          <a:noFill/>
+          <a:ln>
+            <a:noFill/>
+          </a:ln>
+          <a:extLst>
+            <a:ext uri="{909E8E84-426E-40DD-AFC4-6F175D3DCCD1}">
+              <a14:hiddenFill xmlns:a14="http://schemas.microsoft.com/office/drawing/2010/main">
+                <a:solidFill>
+                  <a:srgbClr val="FFFFFF"/>
+                </a:solidFill>
+              </a14:hiddenFill>
+            </a:ext>
+            <a:ext uri="{91240B29-F687-4F45-9708-019B960494DF}">
+              <a14:hiddenLine xmlns:a14="http://schemas.microsoft.com/office/drawing/2010/main" w="9525">
+                <a:solidFill>
+                  <a:srgbClr val="000000"/>
+                </a:solidFill>
+                <a:miter lim="800000"/>
+                <a:headEnd/>
+                <a:tailEnd/>
+              </a14:hiddenLine>
+            </a:ext>
+          </a:extLst>
+        </p:spPr>
+        <p:txBody>
+          <a:bodyPr wrap="none">
+            <a:spAutoFit/>
+          </a:bodyPr>
+          <a:lstStyle>
+            <a:lvl1pPr eaLnBrk="0" hangingPunct="0">
+              <a:defRPr>
+                <a:solidFill>
+                  <a:schemeClr val="tx1"/>
+                </a:solidFill>
+                <a:latin typeface="Arial" panose="020B0604020202020204" pitchFamily="34" charset="0"/>
+                <a:ea typeface="宋体" panose="02010600030101010101" pitchFamily="2" charset="-122"/>
+              </a:defRPr>
+            </a:lvl1pPr>
+            <a:lvl2pPr marL="742950" indent="-285750" eaLnBrk="0" hangingPunct="0">
+              <a:defRPr>
+                <a:solidFill>
+                  <a:schemeClr val="tx1"/>
+                </a:solidFill>
+                <a:latin typeface="Arial" panose="020B0604020202020204" pitchFamily="34" charset="0"/>
+                <a:ea typeface="宋体" panose="02010600030101010101" pitchFamily="2" charset="-122"/>
+              </a:defRPr>
+            </a:lvl2pPr>
+            <a:lvl3pPr marL="1143000" indent="-228600" eaLnBrk="0" hangingPunct="0">
+              <a:defRPr>
+                <a:solidFill>
+                  <a:schemeClr val="tx1"/>
+                </a:solidFill>
+                <a:latin typeface="Arial" panose="020B0604020202020204" pitchFamily="34" charset="0"/>
+                <a:ea typeface="宋体" panose="02010600030101010101" pitchFamily="2" charset="-122"/>
+              </a:defRPr>
+            </a:lvl3pPr>
+            <a:lvl4pPr marL="1600200" indent="-228600" eaLnBrk="0" hangingPunct="0">
+              <a:defRPr>
+                <a:solidFill>
+                  <a:schemeClr val="tx1"/>
+                </a:solidFill>
+                <a:latin typeface="Arial" panose="020B0604020202020204" pitchFamily="34" charset="0"/>
+                <a:ea typeface="宋体" panose="02010600030101010101" pitchFamily="2" charset="-122"/>
+              </a:defRPr>
+            </a:lvl4pPr>
+            <a:lvl5pPr marL="2057400" indent="-228600" eaLnBrk="0" hangingPunct="0">
+              <a:defRPr>
+                <a:solidFill>
+                  <a:schemeClr val="tx1"/>
+                </a:solidFill>
+                <a:latin typeface="Arial" panose="020B0604020202020204" pitchFamily="34" charset="0"/>
+                <a:ea typeface="宋体" panose="02010600030101010101" pitchFamily="2" charset="-122"/>
+              </a:defRPr>
+            </a:lvl5pPr>
+            <a:lvl6pPr marL="2514600" indent="-228600" eaLnBrk="0" fontAlgn="base" hangingPunct="0">
+              <a:spcBef>
+                <a:spcPct val="0"/>
+              </a:spcBef>
+              <a:spcAft>
+                <a:spcPct val="0"/>
+              </a:spcAft>
+              <a:buFont typeface="Arial" panose="020B0604020202020204" pitchFamily="34" charset="0"/>
+              <a:defRPr>
+                <a:solidFill>
+                  <a:schemeClr val="tx1"/>
+                </a:solidFill>
+                <a:latin typeface="Arial" panose="020B0604020202020204" pitchFamily="34" charset="0"/>
+                <a:ea typeface="宋体" panose="02010600030101010101" pitchFamily="2" charset="-122"/>
+              </a:defRPr>
+            </a:lvl6pPr>
+            <a:lvl7pPr marL="2971800" indent="-228600" eaLnBrk="0" fontAlgn="base" hangingPunct="0">
+              <a:spcBef>
+                <a:spcPct val="0"/>
+              </a:spcBef>
+              <a:spcAft>
+                <a:spcPct val="0"/>
+              </a:spcAft>
+              <a:buFont typeface="Arial" panose="020B0604020202020204" pitchFamily="34" charset="0"/>
+              <a:defRPr>
+                <a:solidFill>
+                  <a:schemeClr val="tx1"/>
+                </a:solidFill>
+                <a:latin typeface="Arial" panose="020B0604020202020204" pitchFamily="34" charset="0"/>
+                <a:ea typeface="宋体" panose="02010600030101010101" pitchFamily="2" charset="-122"/>
+              </a:defRPr>
+            </a:lvl7pPr>
+            <a:lvl8pPr marL="3429000" indent="-228600" eaLnBrk="0" fontAlgn="base" hangingPunct="0">
+              <a:spcBef>
+                <a:spcPct val="0"/>
+              </a:spcBef>
+              <a:spcAft>
+                <a:spcPct val="0"/>
+              </a:spcAft>
+              <a:buFont typeface="Arial" panose="020B0604020202020204" pitchFamily="34" charset="0"/>
+              <a:defRPr>
+                <a:solidFill>
+                  <a:schemeClr val="tx1"/>
+                </a:solidFill>
+                <a:latin typeface="Arial" panose="020B0604020202020204" pitchFamily="34" charset="0"/>
+                <a:ea typeface="宋体" panose="02010600030101010101" pitchFamily="2" charset="-122"/>
+              </a:defRPr>
+            </a:lvl8pPr>
+            <a:lvl9pPr marL="3886200" indent="-228600" eaLnBrk="0" fontAlgn="base" hangingPunct="0">
+              <a:spcBef>
+                <a:spcPct val="0"/>
+              </a:spcBef>
+              <a:spcAft>
+                <a:spcPct val="0"/>
+              </a:spcAft>
+              <a:buFont typeface="Arial" panose="020B0604020202020204" pitchFamily="34" charset="0"/>
+              <a:defRPr>
+                <a:solidFill>
+                  <a:schemeClr val="tx1"/>
+                </a:solidFill>
+                <a:latin typeface="Arial" panose="020B0604020202020204" pitchFamily="34" charset="0"/>
+                <a:ea typeface="宋体" panose="02010600030101010101" pitchFamily="2" charset="-122"/>
+              </a:defRPr>
+            </a:lvl9pPr>
+          </a:lstStyle>
+          <a:p>
+            <a:pPr eaLnBrk="1" hangingPunct="1"/>
+            <a:r>
+              <a:rPr lang="en-US" altLang="zh-CN" sz="2400" dirty="0">
+                <a:solidFill>
+                  <a:srgbClr val="504B48"/>
+                </a:solidFill>
+                <a:effectLst>
+                  <a:outerShdw blurRad="38100" dist="38100" dir="2700000" algn="tl">
+                    <a:srgbClr val="000000">
+                      <a:alpha val="43137"/>
+                    </a:srgbClr>
+                  </a:outerShdw>
+                </a:effectLst>
+                <a:latin typeface="Rockwell" panose="02060603020205020403" pitchFamily="18" charset="0"/>
+                <a:ea typeface="微软雅黑" panose="020B0503020204020204" pitchFamily="34" charset="-122"/>
+              </a:rPr>
+              <a:t>Figures</a:t>
+            </a:r>
+            <a:endParaRPr lang="zh-CN" altLang="en-US" sz="2400" dirty="0">
+              <a:solidFill>
+                <a:srgbClr val="504B48"/>
+              </a:solidFill>
+              <a:effectLst>
+                <a:outerShdw blurRad="38100" dist="38100" dir="2700000" algn="tl">
+                  <a:srgbClr val="000000">
+                    <a:alpha val="43137"/>
+                  </a:srgbClr>
+                </a:outerShdw>
+              </a:effectLst>
+              <a:latin typeface="Rockwell" panose="02060603020205020403" pitchFamily="18" charset="0"/>
+              <a:ea typeface="微软雅黑" panose="020B0503020204020204" pitchFamily="34" charset="-122"/>
+            </a:endParaRPr>
+          </a:p>
+        </p:txBody>
+      </p:sp>
+      <p:pic>
+        <p:nvPicPr>
           <p:cNvPr id="7" name="slide5" descr="womenshoes4">
             <a:extLst>
               <a:ext uri="{FF2B5EF4-FFF2-40B4-BE49-F238E27FC236}">
@@ -5203,6 +6229,99 @@
           </a:prstGeom>
         </p:spPr>
       </p:pic>
+      <p:sp>
+        <p:nvSpPr>
+          <p:cNvPr id="8" name="文本框 7">
+            <a:extLst>
+              <a:ext uri="{FF2B5EF4-FFF2-40B4-BE49-F238E27FC236}">
+                <a16:creationId xmlns:a16="http://schemas.microsoft.com/office/drawing/2014/main" id="{7DF48854-0695-4533-A5FC-8127FD442134}"/>
+              </a:ext>
+            </a:extLst>
+          </p:cNvPr>
+          <p:cNvSpPr txBox="1"/>
+          <p:nvPr/>
+        </p:nvSpPr>
+        <p:spPr>
+          <a:xfrm>
+            <a:off x="5908430" y="2896731"/>
+            <a:ext cx="3044652" cy="1600438"/>
+          </a:xfrm>
+          <a:prstGeom prst="rect">
+            <a:avLst/>
+          </a:prstGeom>
+          <a:noFill/>
+        </p:spPr>
+        <p:txBody>
+          <a:bodyPr wrap="square">
+            <a:spAutoFit/>
+          </a:bodyPr>
+          <a:lstStyle/>
+          <a:p>
+            <a:pPr marL="171450" indent="-171450" algn="just">
+              <a:buFont typeface="Arial" panose="020B0604020202020204" pitchFamily="34" charset="0"/>
+              <a:buChar char="•"/>
+            </a:pPr>
+            <a:r>
+              <a:rPr lang="zh-CN" altLang="en-US" sz="1400" b="1" dirty="0">
+                <a:latin typeface="华文楷体" panose="02010600040101010101" pitchFamily="2" charset="-122"/>
+                <a:ea typeface="华文楷体" panose="02010600040101010101" pitchFamily="2" charset="-122"/>
+              </a:rPr>
+              <a:t>奢侈品牌Ralph Lauren出售产品最多，且售出均价最高的为250以上，远远高出其他品牌，即使其销售比并不高</a:t>
+            </a:r>
+          </a:p>
+          <a:p>
+            <a:pPr marL="171450" indent="-171450" algn="just">
+              <a:buFont typeface="Arial" panose="020B0604020202020204" pitchFamily="34" charset="0"/>
+              <a:buChar char="•"/>
+            </a:pPr>
+            <a:r>
+              <a:rPr lang="zh-CN" altLang="en-US" sz="1400" b="1" dirty="0">
+                <a:latin typeface="华文楷体" panose="02010600040101010101" pitchFamily="2" charset="-122"/>
+                <a:ea typeface="华文楷体" panose="02010600040101010101" pitchFamily="2" charset="-122"/>
+              </a:rPr>
+              <a:t>其次较高的售出均价为 Nike、N</a:t>
+            </a:r>
+            <a:r>
+              <a:rPr lang="en-US" altLang="zh-CN" sz="1400" b="1" dirty="0" err="1">
+                <a:latin typeface="华文楷体" panose="02010600040101010101" pitchFamily="2" charset="-122"/>
+                <a:ea typeface="华文楷体" panose="02010600040101010101" pitchFamily="2" charset="-122"/>
+              </a:rPr>
+              <a:t>ew</a:t>
+            </a:r>
+            <a:r>
+              <a:rPr lang="en-US" altLang="zh-CN" sz="1400" b="1" dirty="0">
+                <a:latin typeface="华文楷体" panose="02010600040101010101" pitchFamily="2" charset="-122"/>
+                <a:ea typeface="华文楷体" panose="02010600040101010101" pitchFamily="2" charset="-122"/>
+              </a:rPr>
+              <a:t> Balance</a:t>
+            </a:r>
+            <a:r>
+              <a:rPr lang="zh-CN" altLang="en-US" sz="1400" b="1" dirty="0">
+                <a:latin typeface="华文楷体" panose="02010600040101010101" pitchFamily="2" charset="-122"/>
+                <a:ea typeface="华文楷体" panose="02010600040101010101" pitchFamily="2" charset="-122"/>
+              </a:rPr>
+              <a:t>，且其销售比不错</a:t>
+            </a:r>
+            <a:endParaRPr lang="en-US" altLang="zh-CN" sz="1400" b="1" dirty="0">
+              <a:latin typeface="华文楷体" panose="02010600040101010101" pitchFamily="2" charset="-122"/>
+              <a:ea typeface="华文楷体" panose="02010600040101010101" pitchFamily="2" charset="-122"/>
+            </a:endParaRPr>
+          </a:p>
+          <a:p>
+            <a:pPr marL="171450" indent="-171450" algn="just">
+              <a:buFont typeface="Arial" panose="020B0604020202020204" pitchFamily="34" charset="0"/>
+              <a:buChar char="•"/>
+            </a:pPr>
+            <a:r>
+              <a:rPr lang="zh-CN" altLang="en-US" sz="1400" b="1" dirty="0">
+                <a:latin typeface="华文楷体" panose="02010600040101010101" pitchFamily="2" charset="-122"/>
+                <a:ea typeface="华文楷体" panose="02010600040101010101" pitchFamily="2" charset="-122"/>
+              </a:rPr>
+              <a:t>销量最多的品牌均价都在100以下</a:t>
+            </a:r>
+          </a:p>
+        </p:txBody>
+      </p:sp>
     </p:spTree>
     <p:extLst>
       <p:ext uri="{BB962C8B-B14F-4D97-AF65-F5344CB8AC3E}">
@@ -5213,13 +6332,13 @@
   <p:clrMapOvr>
     <a:masterClrMapping/>
   </p:clrMapOvr>
-  <mc:AlternateContent xmlns:mc="http://schemas.openxmlformats.org/markup-compatibility/2006">
-    <mc:Choice xmlns:p14="http://schemas.microsoft.com/office/powerpoint/2010/main" Requires="p14">
+  <mc:AlternateContent xmlns:mc="http://schemas.openxmlformats.org/markup-compatibility/2006" xmlns:p14="http://schemas.microsoft.com/office/powerpoint/2010/main">
+    <mc:Choice Requires="p14">
       <p:transition spd="slow" advTm="3600000">
         <p14:switch dir="r"/>
       </p:transition>
     </mc:Choice>
-    <mc:Fallback>
+    <mc:Fallback xmlns="">
       <p:transition spd="slow" advTm="3600000">
         <p:fade/>
       </p:transition>
@@ -5228,7 +6347,7 @@
 </p:sld>
 </file>
 
-<file path=ppt/slides/slide11.xml><?xml version="1.0" encoding="utf-8"?>
+<file path=ppt/slides/slide13.xml><?xml version="1.0" encoding="utf-8"?>
 <p:sld xmlns:a="http://schemas.openxmlformats.org/drawingml/2006/main" xmlns:r="http://schemas.openxmlformats.org/officeDocument/2006/relationships" xmlns:p="http://schemas.openxmlformats.org/presentationml/2006/main">
   <p:cSld>
     <p:spTree>
@@ -5650,7 +6769,7 @@
         <p:spPr>
           <a:xfrm>
             <a:off x="372139" y="1158948"/>
-            <a:ext cx="8272131" cy="3539430"/>
+            <a:ext cx="8272131" cy="3046988"/>
           </a:xfrm>
           <a:prstGeom prst="rect">
             <a:avLst/>
@@ -5674,6 +6793,10 @@
               </a:rPr>
               <a:t>欧美电商市场上女鞋80%以上在100美元以下，其中以20-80美元的产品最多，而1000美元以上的奢侈品不到1%；大多奢侈品牌产品在线下出售，很少放在网上销售；售出的女鞋90%以上在100美元以下，且大多数（六成）在50美元以下，可见低价产品为线上主要销量。</a:t>
             </a:r>
+            <a:endParaRPr lang="en-US" altLang="zh-CN" sz="1600" b="1" dirty="0">
+              <a:latin typeface="华文楷体" panose="02010600040101010101" pitchFamily="2" charset="-122"/>
+              <a:ea typeface="华文楷体" panose="02010600040101010101" pitchFamily="2" charset="-122"/>
+            </a:endParaRPr>
           </a:p>
           <a:p>
             <a:pPr marL="285750" indent="-285750" algn="just">
@@ -5685,7 +6808,7 @@
                 <a:latin typeface="华文楷体" panose="02010600040101010101" pitchFamily="2" charset="-122"/>
                 <a:ea typeface="华文楷体" panose="02010600040101010101" pitchFamily="2" charset="-122"/>
               </a:rPr>
-              <a:t>欧美电商市场上女鞋合成、皮革、帆布材质的最多，其中合成、帆布材质的售出比最高（近一半售出），可能因为价格低廉；仿皮革、仿绒面革材质的女鞋售出均价都高于均价，但销售比低，可发掘其市场，对目标群体做进一步调研分析；高价材质中皮革和绒面革卖的最好，织物、橡胶、羊毛、EVA、蕾丝材质的鞋在售出比不错的情况下，售出均价并未比均价低太多，可对其研究布局。</a:t>
+              <a:t>线上产品颜色以 黑、棕、白、蓝、银色为最多，其中黑色占了近一半；从售出比来看，绿色女鞋 售出比最高，其次灰色、黄色、彩色、银色等较多，可见明亮的颜色和灰、黑等暗色都有不错的市场，可能是潮流和职场的影响。</a:t>
             </a:r>
           </a:p>
           <a:p>
@@ -5698,7 +6821,7 @@
                 <a:latin typeface="华文楷体" panose="02010600040101010101" pitchFamily="2" charset="-122"/>
                 <a:ea typeface="华文楷体" panose="02010600040101010101" pitchFamily="2" charset="-122"/>
               </a:rPr>
-              <a:t>线上产品颜色以 Black,Brown,Blue,White,Silver 为最多，其中黑色占了近一半；Brown 颜色的售出均价最高，考虑到 Leather 材质的颜色和售价，可能Brown与Leather材质相关因此售出均价高；从售出比来看，Multicolor 售出比最高，其次Green,Yellow,Orange,Gray, Gold,Black 可见多种颜色和鲜艳颜色的女鞋较受欢迎，灰、黑等暗色也有不错的市场，可能是潮流和职场的影响。</a:t>
+              <a:t>欧美电商市场上女鞋合成、皮革、帆布材质的最多，其中合成、帆布材质的售出比最高（近一半售出），可能因为价格低廉；仿皮革、仿绒面革材质的女鞋售出均价都高于均价，但销售比低，可发掘其市场，对目标群体做进一步调研分析；高价材质中皮革和绒面革卖的最好，织物、橡胶、羊毛、EVA、蕾丝材质的鞋在售出比不错的情况下，售出均价并未比均价低太多，可对其进一步研究市场和用户调研</a:t>
             </a:r>
           </a:p>
         </p:txBody>
@@ -5713,13 +6836,13 @@
   <p:clrMapOvr>
     <a:masterClrMapping/>
   </p:clrMapOvr>
-  <mc:AlternateContent xmlns:mc="http://schemas.openxmlformats.org/markup-compatibility/2006">
-    <mc:Choice xmlns:p14="http://schemas.microsoft.com/office/powerpoint/2010/main" Requires="p14">
+  <mc:AlternateContent xmlns:mc="http://schemas.openxmlformats.org/markup-compatibility/2006" xmlns:p14="http://schemas.microsoft.com/office/powerpoint/2010/main">
+    <mc:Choice Requires="p14">
       <p:transition spd="slow" p14:dur="1400" advTm="3600000">
         <p14:doors dir="vert"/>
       </p:transition>
     </mc:Choice>
-    <mc:Fallback>
+    <mc:Fallback xmlns="">
       <p:transition spd="slow" advTm="3600000">
         <p:fade/>
       </p:transition>
@@ -5728,7 +6851,7 @@
 </p:sld>
 </file>
 
-<file path=ppt/slides/slide12.xml><?xml version="1.0" encoding="utf-8"?>
+<file path=ppt/slides/slide14.xml><?xml version="1.0" encoding="utf-8"?>
 <p:sld xmlns:a="http://schemas.openxmlformats.org/drawingml/2006/main" xmlns:r="http://schemas.openxmlformats.org/officeDocument/2006/relationships" xmlns:p="http://schemas.openxmlformats.org/presentationml/2006/main">
   <p:cSld>
     <p:spTree>
@@ -6172,7 +7295,28 @@
                 <a:latin typeface="华文楷体" panose="02010600040101010101" pitchFamily="2" charset="-122"/>
                 <a:ea typeface="华文楷体" panose="02010600040101010101" pitchFamily="2" charset="-122"/>
               </a:rPr>
-              <a:t>奢侈品牌Ralph Lauren出售产品多，且售出均价最高的为（250以上），远远高出其他品牌，即使其销售比并不高；其次较高的售出均价为 Nike、Novica，且其销售比不错；销量最多的品牌均价都在100以下；部分品牌对材质有明显偏好，应该与品牌的定位和目标消费人群有关，如面向职场女性的品牌倾向皮革材质，面向年轻、运动女性的倾向帆布、合成等等。</a:t>
+              <a:t>奢侈品牌Ralph Lauren出售产品多，且售出均价最高的为250以上，远远高出其他品牌，即使其销售比并不高；其次较高的售出均价为 Nike、N</a:t>
+            </a:r>
+            <a:r>
+              <a:rPr lang="en-US" altLang="zh-CN" sz="1600" b="1" dirty="0" err="1">
+                <a:latin typeface="华文楷体" panose="02010600040101010101" pitchFamily="2" charset="-122"/>
+                <a:ea typeface="华文楷体" panose="02010600040101010101" pitchFamily="2" charset="-122"/>
+              </a:rPr>
+              <a:t>ew</a:t>
+            </a:r>
+            <a:r>
+              <a:rPr lang="en-US" altLang="zh-CN" sz="1600" b="1" dirty="0">
+                <a:latin typeface="华文楷体" panose="02010600040101010101" pitchFamily="2" charset="-122"/>
+                <a:ea typeface="华文楷体" panose="02010600040101010101" pitchFamily="2" charset="-122"/>
+              </a:rPr>
+              <a:t> Balance</a:t>
+            </a:r>
+            <a:r>
+              <a:rPr lang="zh-CN" altLang="en-US" sz="1600" b="1" dirty="0">
+                <a:latin typeface="华文楷体" panose="02010600040101010101" pitchFamily="2" charset="-122"/>
+                <a:ea typeface="华文楷体" panose="02010600040101010101" pitchFamily="2" charset="-122"/>
+              </a:rPr>
+              <a:t>，且其销售比不错；销量最多的品牌均价都在100以下；部分品牌对材质有明显偏好，应该与品牌的定位和目标消费人群有关，如面向职场女性的品牌倾向皮革材质，面向年轻、运动女性的倾向帆布、合成等等。</a:t>
             </a:r>
           </a:p>
           <a:p>
@@ -6207,13 +7351,13 @@
   <p:clrMapOvr>
     <a:masterClrMapping/>
   </p:clrMapOvr>
-  <mc:AlternateContent xmlns:mc="http://schemas.openxmlformats.org/markup-compatibility/2006">
-    <mc:Choice xmlns:p14="http://schemas.microsoft.com/office/powerpoint/2010/main" Requires="p14">
+  <mc:AlternateContent xmlns:mc="http://schemas.openxmlformats.org/markup-compatibility/2006" xmlns:p14="http://schemas.microsoft.com/office/powerpoint/2010/main">
+    <mc:Choice Requires="p14">
       <p:transition spd="slow" p14:dur="1250" advTm="3600000">
         <p14:flip dir="r"/>
       </p:transition>
     </mc:Choice>
-    <mc:Fallback>
+    <mc:Fallback xmlns="">
       <p:transition spd="slow" advTm="3600000">
         <p:fade/>
       </p:transition>
@@ -6222,7 +7366,7 @@
 </p:sld>
 </file>
 
-<file path=ppt/slides/slide13.xml><?xml version="1.0" encoding="utf-8"?>
+<file path=ppt/slides/slide15.xml><?xml version="1.0" encoding="utf-8"?>
 <p:sld xmlns:a="http://schemas.openxmlformats.org/drawingml/2006/main" xmlns:r="http://schemas.openxmlformats.org/officeDocument/2006/relationships" xmlns:p="http://schemas.openxmlformats.org/presentationml/2006/main">
   <p:cSld>
     <p:spTree>
@@ -6713,13 +7857,13 @@
   <p:clrMapOvr>
     <a:masterClrMapping/>
   </p:clrMapOvr>
-  <mc:AlternateContent xmlns:mc="http://schemas.openxmlformats.org/markup-compatibility/2006">
-    <mc:Choice xmlns:p14="http://schemas.microsoft.com/office/powerpoint/2010/main" Requires="p14">
+  <mc:AlternateContent xmlns:mc="http://schemas.openxmlformats.org/markup-compatibility/2006" xmlns:p14="http://schemas.microsoft.com/office/powerpoint/2010/main">
+    <mc:Choice Requires="p14">
       <p:transition spd="slow" p14:dur="2000" advTm="3600000">
         <p14:vortex dir="r"/>
       </p:transition>
     </mc:Choice>
-    <mc:Fallback>
+    <mc:Fallback xmlns="">
       <p:transition spd="slow" advTm="3600000">
         <p:fade/>
       </p:transition>
@@ -8137,13 +9281,13 @@
   <p:clrMapOvr>
     <a:masterClrMapping/>
   </p:clrMapOvr>
-  <mc:AlternateContent xmlns:mc="http://schemas.openxmlformats.org/markup-compatibility/2006">
-    <mc:Choice xmlns:p14="http://schemas.microsoft.com/office/powerpoint/2010/main" Requires="p14">
+  <mc:AlternateContent xmlns:mc="http://schemas.openxmlformats.org/markup-compatibility/2006" xmlns:p14="http://schemas.microsoft.com/office/powerpoint/2010/main">
+    <mc:Choice Requires="p14">
       <p:transition spd="slow" advTm="3600000">
         <p14:warp dir="in"/>
       </p:transition>
     </mc:Choice>
-    <mc:Fallback>
+    <mc:Fallback xmlns="">
       <p:transition spd="slow" advTm="3600000">
         <p:fade/>
       </p:transition>
@@ -8736,13 +9880,13 @@
   <p:clrMapOvr>
     <a:masterClrMapping/>
   </p:clrMapOvr>
-  <mc:AlternateContent xmlns:mc="http://schemas.openxmlformats.org/markup-compatibility/2006">
-    <mc:Choice xmlns:p14="http://schemas.microsoft.com/office/powerpoint/2010/main" Requires="p14">
+  <mc:AlternateContent xmlns:mc="http://schemas.openxmlformats.org/markup-compatibility/2006" xmlns:p14="http://schemas.microsoft.com/office/powerpoint/2010/main">
+    <mc:Choice Requires="p14">
       <p:transition spd="slow" advTm="3600000">
         <p14:switch dir="r"/>
       </p:transition>
     </mc:Choice>
-    <mc:Fallback>
+    <mc:Fallback xmlns="">
       <p:transition spd="slow" advTm="3600000">
         <p:fade/>
       </p:transition>
@@ -9449,13 +10593,13 @@
   <p:clrMapOvr>
     <a:masterClrMapping/>
   </p:clrMapOvr>
-  <mc:AlternateContent xmlns:mc="http://schemas.openxmlformats.org/markup-compatibility/2006">
-    <mc:Choice xmlns:p14="http://schemas.microsoft.com/office/powerpoint/2010/main" Requires="p14">
+  <mc:AlternateContent xmlns:mc="http://schemas.openxmlformats.org/markup-compatibility/2006" xmlns:p14="http://schemas.microsoft.com/office/powerpoint/2010/main">
+    <mc:Choice Requires="p14">
       <p:transition spd="slow" advTm="3600000">
         <p14:switch dir="r"/>
       </p:transition>
     </mc:Choice>
-    <mc:Fallback>
+    <mc:Fallback xmlns="">
       <p:transition spd="slow" advTm="3600000">
         <p:fade/>
       </p:transition>
@@ -10478,8 +11622,8 @@
         </p:nvSpPr>
         <p:spPr>
           <a:xfrm>
-            <a:off x="342901" y="1410081"/>
-            <a:ext cx="3357230" cy="2554545"/>
+            <a:off x="352949" y="1530661"/>
+            <a:ext cx="3357230" cy="1631216"/>
           </a:xfrm>
           <a:prstGeom prst="rect">
             <a:avLst/>
@@ -10560,23 +11704,6 @@
               <a:ea typeface="华文行楷" panose="02010800040101010101" pitchFamily="2" charset="-122"/>
             </a:endParaRPr>
           </a:p>
-          <a:p>
-            <a:pPr marL="342900" indent="-342900">
-              <a:buFont typeface="Arial" panose="020B0604020202020204" pitchFamily="34" charset="0"/>
-              <a:buChar char="•"/>
-            </a:pPr>
-            <a:r>
-              <a:rPr lang="zh-CN" altLang="en-US" sz="2000" dirty="0">
-                <a:latin typeface="华文行楷" panose="02010800040101010101" pitchFamily="2" charset="-122"/>
-                <a:ea typeface="华文行楷" panose="02010800040101010101" pitchFamily="2" charset="-122"/>
-              </a:rPr>
-              <a:t>每个鞋子的每个价格都有一个条目，有些鞋子可能有多个条目。</a:t>
-            </a:r>
-            <a:endParaRPr lang="en-US" altLang="zh-CN" sz="2000" dirty="0">
-              <a:latin typeface="华文行楷" panose="02010800040101010101" pitchFamily="2" charset="-122"/>
-              <a:ea typeface="华文行楷" panose="02010800040101010101" pitchFamily="2" charset="-122"/>
-            </a:endParaRPr>
-          </a:p>
         </p:txBody>
       </p:sp>
       <p:sp>
@@ -10823,13 +11950,13 @@
   <p:clrMapOvr>
     <a:masterClrMapping/>
   </p:clrMapOvr>
-  <mc:AlternateContent xmlns:mc="http://schemas.openxmlformats.org/markup-compatibility/2006">
-    <mc:Choice xmlns:p14="http://schemas.microsoft.com/office/powerpoint/2010/main" Requires="p14">
+  <mc:AlternateContent xmlns:mc="http://schemas.openxmlformats.org/markup-compatibility/2006" xmlns:p14="http://schemas.microsoft.com/office/powerpoint/2010/main">
+    <mc:Choice Requires="p14">
       <p:transition spd="slow" advTm="3600000">
         <p14:doors dir="vert"/>
       </p:transition>
     </mc:Choice>
-    <mc:Fallback>
+    <mc:Fallback xmlns="">
       <p:transition spd="slow" advTm="3600000">
         <p:fade/>
       </p:transition>
@@ -10971,7 +12098,7 @@
         </p:blipFill>
         <p:spPr>
           <a:xfrm>
-            <a:off x="0" y="478465"/>
+            <a:off x="0" y="488513"/>
             <a:ext cx="9144000" cy="4665035"/>
           </a:xfrm>
           <a:prstGeom prst="rect">
@@ -11369,23 +12496,132 @@
           </a:p>
         </p:txBody>
       </p:sp>
+      <p:sp>
+        <p:nvSpPr>
+          <p:cNvPr id="7" name="文本框 6">
+            <a:extLst>
+              <a:ext uri="{FF2B5EF4-FFF2-40B4-BE49-F238E27FC236}">
+                <a16:creationId xmlns:a16="http://schemas.microsoft.com/office/drawing/2014/main" id="{8C5F6391-A106-4D28-BD0D-1989D9589E83}"/>
+              </a:ext>
+            </a:extLst>
+          </p:cNvPr>
+          <p:cNvSpPr txBox="1"/>
+          <p:nvPr/>
+        </p:nvSpPr>
+        <p:spPr>
+          <a:xfrm>
+            <a:off x="5588014" y="2249911"/>
+            <a:ext cx="2904475" cy="523220"/>
+          </a:xfrm>
+          <a:prstGeom prst="rect">
+            <a:avLst/>
+          </a:prstGeom>
+          <a:noFill/>
+        </p:spPr>
+        <p:txBody>
+          <a:bodyPr wrap="square">
+            <a:spAutoFit/>
+          </a:bodyPr>
+          <a:lstStyle/>
+          <a:p>
+            <a:pPr marL="285750" indent="-285750" algn="just">
+              <a:buFont typeface="Arial" panose="020B0604020202020204" pitchFamily="34" charset="0"/>
+              <a:buChar char="•"/>
+            </a:pPr>
+            <a:r>
+              <a:rPr lang="en-US" altLang="zh-CN" sz="1400" b="1" dirty="0">
+                <a:latin typeface="华文楷体" panose="02010600040101010101" pitchFamily="2" charset="-122"/>
+                <a:ea typeface="华文楷体" panose="02010600040101010101" pitchFamily="2" charset="-122"/>
+              </a:rPr>
+              <a:t>100</a:t>
+            </a:r>
+            <a:r>
+              <a:rPr lang="zh-CN" altLang="en-US" sz="1400" b="1" dirty="0">
+                <a:latin typeface="华文楷体" panose="02010600040101010101" pitchFamily="2" charset="-122"/>
+                <a:ea typeface="华文楷体" panose="02010600040101010101" pitchFamily="2" charset="-122"/>
+              </a:rPr>
+              <a:t>美元以下的女鞋中以20-80美元的产品最多，占比</a:t>
+            </a:r>
+            <a:r>
+              <a:rPr lang="en-US" altLang="zh-CN" sz="1400" b="1" dirty="0">
+                <a:latin typeface="华文楷体" panose="02010600040101010101" pitchFamily="2" charset="-122"/>
+                <a:ea typeface="华文楷体" panose="02010600040101010101" pitchFamily="2" charset="-122"/>
+              </a:rPr>
+              <a:t>80%</a:t>
+            </a:r>
+            <a:r>
+              <a:rPr lang="zh-CN" altLang="en-US" sz="1400" b="1" dirty="0">
+                <a:latin typeface="华文楷体" panose="02010600040101010101" pitchFamily="2" charset="-122"/>
+                <a:ea typeface="华文楷体" panose="02010600040101010101" pitchFamily="2" charset="-122"/>
+              </a:rPr>
+              <a:t>以上</a:t>
+            </a:r>
+            <a:endParaRPr lang="en-US" altLang="zh-CN" sz="1400" b="1" dirty="0">
+              <a:latin typeface="华文楷体" panose="02010600040101010101" pitchFamily="2" charset="-122"/>
+              <a:ea typeface="华文楷体" panose="02010600040101010101" pitchFamily="2" charset="-122"/>
+            </a:endParaRPr>
+          </a:p>
+        </p:txBody>
+      </p:sp>
+      <p:sp>
+        <p:nvSpPr>
+          <p:cNvPr id="9" name="文本框 8">
+            <a:extLst>
+              <a:ext uri="{FF2B5EF4-FFF2-40B4-BE49-F238E27FC236}">
+                <a16:creationId xmlns:a16="http://schemas.microsoft.com/office/drawing/2014/main" id="{75514741-E9D7-44EB-86F3-3BF0BFBD344A}"/>
+              </a:ext>
+            </a:extLst>
+          </p:cNvPr>
+          <p:cNvSpPr txBox="1"/>
+          <p:nvPr/>
+        </p:nvSpPr>
+        <p:spPr>
+          <a:xfrm>
+            <a:off x="1966588" y="2361140"/>
+            <a:ext cx="1901651" cy="1200329"/>
+          </a:xfrm>
+          <a:prstGeom prst="rect">
+            <a:avLst/>
+          </a:prstGeom>
+          <a:noFill/>
+        </p:spPr>
+        <p:txBody>
+          <a:bodyPr wrap="square">
+            <a:spAutoFit/>
+          </a:bodyPr>
+          <a:lstStyle/>
+          <a:p>
+            <a:pPr marL="285750" indent="-285750" algn="just">
+              <a:buFont typeface="Arial" panose="020B0604020202020204" pitchFamily="34" charset="0"/>
+              <a:buChar char="•"/>
+            </a:pPr>
+            <a:r>
+              <a:rPr lang="zh-CN" altLang="en-US" sz="1200" b="1" dirty="0">
+                <a:latin typeface="华文楷体" panose="02010600040101010101" pitchFamily="2" charset="-122"/>
+                <a:ea typeface="华文楷体" panose="02010600040101010101" pitchFamily="2" charset="-122"/>
+              </a:rPr>
+              <a:t>欧美电商市场上女鞋80%以上在100美元以下，1000美元以上的奢侈品不到1%：奢侈品较少，且大多奢侈品牌产品在线下出售</a:t>
+            </a:r>
+          </a:p>
+        </p:txBody>
+      </p:sp>
     </p:spTree>
     <p:extLst>
       <p:ext uri="{BB962C8B-B14F-4D97-AF65-F5344CB8AC3E}">
-        <p14:creationId xmlns:p14="http://schemas.microsoft.com/office/powerpoint/2010/main" val="737403425"/>
+        <p14:creationId xmlns:p14="http://schemas.microsoft.com/office/powerpoint/2010/main" val="3451188580"/>
       </p:ext>
     </p:extLst>
   </p:cSld>
   <p:clrMapOvr>
     <a:masterClrMapping/>
   </p:clrMapOvr>
-  <mc:AlternateContent xmlns:mc="http://schemas.openxmlformats.org/markup-compatibility/2006">
-    <mc:Choice xmlns:p14="http://schemas.microsoft.com/office/powerpoint/2010/main" Requires="p14">
+  <mc:AlternateContent xmlns:mc="http://schemas.openxmlformats.org/markup-compatibility/2006" xmlns:p14="http://schemas.microsoft.com/office/powerpoint/2010/main">
+    <mc:Choice Requires="p14">
       <p:transition spd="slow" advTm="3600000">
         <p14:switch dir="r"/>
       </p:transition>
     </mc:Choice>
-    <mc:Fallback>
+    <mc:Fallback xmlns="">
       <p:transition spd="slow" advTm="3600000">
         <p:fade/>
       </p:transition>
@@ -12033,7 +13269,7 @@
         </p:nvSpPr>
         <p:spPr>
           <a:xfrm>
-            <a:off x="1640072" y="1611271"/>
+            <a:off x="5993863" y="624135"/>
             <a:ext cx="3654942" cy="923330"/>
           </a:xfrm>
           <a:prstGeom prst="rect">
@@ -12089,6 +13325,48 @@
           </a:p>
         </p:txBody>
       </p:sp>
+      <p:sp>
+        <p:nvSpPr>
+          <p:cNvPr id="10" name="文本框 9">
+            <a:extLst>
+              <a:ext uri="{FF2B5EF4-FFF2-40B4-BE49-F238E27FC236}">
+                <a16:creationId xmlns:a16="http://schemas.microsoft.com/office/drawing/2014/main" id="{03ED3F02-EA1E-46C7-AB9B-93D8B5E20B40}"/>
+              </a:ext>
+            </a:extLst>
+          </p:cNvPr>
+          <p:cNvSpPr txBox="1"/>
+          <p:nvPr/>
+        </p:nvSpPr>
+        <p:spPr>
+          <a:xfrm>
+            <a:off x="1696316" y="1566794"/>
+            <a:ext cx="3301711" cy="738664"/>
+          </a:xfrm>
+          <a:prstGeom prst="rect">
+            <a:avLst/>
+          </a:prstGeom>
+          <a:noFill/>
+        </p:spPr>
+        <p:txBody>
+          <a:bodyPr wrap="square">
+            <a:spAutoFit/>
+          </a:bodyPr>
+          <a:lstStyle/>
+          <a:p>
+            <a:pPr marL="285750" indent="-285750" algn="just">
+              <a:buFont typeface="Arial" panose="020B0604020202020204" pitchFamily="34" charset="0"/>
+              <a:buChar char="•"/>
+            </a:pPr>
+            <a:r>
+              <a:rPr lang="zh-CN" altLang="en-US" sz="1400" b="1" dirty="0">
+                <a:latin typeface="华文楷体" panose="02010600040101010101" pitchFamily="2" charset="-122"/>
+                <a:ea typeface="华文楷体" panose="02010600040101010101" pitchFamily="2" charset="-122"/>
+              </a:rPr>
+              <a:t>售出的女鞋90%以上在100美元以下，且大多数（六成）在50美元以下，可见低价产品为线上主要销量。</a:t>
+            </a:r>
+          </a:p>
+        </p:txBody>
+      </p:sp>
     </p:spTree>
     <p:extLst>
       <p:ext uri="{BB962C8B-B14F-4D97-AF65-F5344CB8AC3E}">
@@ -12099,13 +13377,13 @@
   <p:clrMapOvr>
     <a:masterClrMapping/>
   </p:clrMapOvr>
-  <mc:AlternateContent xmlns:mc="http://schemas.openxmlformats.org/markup-compatibility/2006">
-    <mc:Choice xmlns:p14="http://schemas.microsoft.com/office/powerpoint/2010/main" Requires="p14">
+  <mc:AlternateContent xmlns:mc="http://schemas.openxmlformats.org/markup-compatibility/2006" xmlns:p14="http://schemas.microsoft.com/office/powerpoint/2010/main">
+    <mc:Choice Requires="p14">
       <p:transition spd="slow" advTm="3600000">
         <p14:switch dir="r"/>
       </p:transition>
     </mc:Choice>
-    <mc:Fallback>
+    <mc:Fallback xmlns="">
       <p:transition spd="slow" advTm="3600000">
         <p:fade/>
       </p:transition>
@@ -12557,6 +13835,65 @@
           </a:prstGeom>
         </p:spPr>
       </p:pic>
+      <p:sp>
+        <p:nvSpPr>
+          <p:cNvPr id="8" name="文本框 7">
+            <a:extLst>
+              <a:ext uri="{FF2B5EF4-FFF2-40B4-BE49-F238E27FC236}">
+                <a16:creationId xmlns:a16="http://schemas.microsoft.com/office/drawing/2014/main" id="{ABA6CC95-9AF0-4253-94AF-C6ECCCF362F0}"/>
+              </a:ext>
+            </a:extLst>
+          </p:cNvPr>
+          <p:cNvSpPr txBox="1"/>
+          <p:nvPr/>
+        </p:nvSpPr>
+        <p:spPr>
+          <a:xfrm>
+            <a:off x="3959051" y="2262313"/>
+            <a:ext cx="4622242" cy="1169551"/>
+          </a:xfrm>
+          <a:prstGeom prst="rect">
+            <a:avLst/>
+          </a:prstGeom>
+          <a:noFill/>
+        </p:spPr>
+        <p:txBody>
+          <a:bodyPr wrap="square">
+            <a:spAutoFit/>
+          </a:bodyPr>
+          <a:lstStyle/>
+          <a:p>
+            <a:pPr marL="285750" indent="-285750" algn="just">
+              <a:buFont typeface="Arial" panose="020B0604020202020204" pitchFamily="34" charset="0"/>
+              <a:buChar char="•"/>
+            </a:pPr>
+            <a:r>
+              <a:rPr lang="zh-CN" altLang="en-US" sz="1400" b="1" dirty="0">
+                <a:latin typeface="华文楷体" panose="02010600040101010101" pitchFamily="2" charset="-122"/>
+                <a:ea typeface="华文楷体" panose="02010600040101010101" pitchFamily="2" charset="-122"/>
+              </a:rPr>
+              <a:t>线上产品颜色以 黑、棕、白、蓝、银色为最多，其中黑色占了近一半</a:t>
+            </a:r>
+            <a:endParaRPr lang="en-US" altLang="zh-CN" sz="1400" b="1" dirty="0">
+              <a:latin typeface="华文楷体" panose="02010600040101010101" pitchFamily="2" charset="-122"/>
+              <a:ea typeface="华文楷体" panose="02010600040101010101" pitchFamily="2" charset="-122"/>
+            </a:endParaRPr>
+          </a:p>
+          <a:p>
+            <a:pPr marL="285750" indent="-285750" algn="just">
+              <a:buFont typeface="Arial" panose="020B0604020202020204" pitchFamily="34" charset="0"/>
+              <a:buChar char="•"/>
+            </a:pPr>
+            <a:r>
+              <a:rPr lang="zh-CN" altLang="en-US" sz="1400" b="1" dirty="0">
+                <a:latin typeface="华文楷体" panose="02010600040101010101" pitchFamily="2" charset="-122"/>
+                <a:ea typeface="华文楷体" panose="02010600040101010101" pitchFamily="2" charset="-122"/>
+              </a:rPr>
+              <a:t>从售出比来看，绿色女鞋 售出比最高，其次灰色、黄色、彩色、银色等较多，可见明亮的颜色和灰、黑等暗色都有不错的市场，可能是潮流和职场的影响。</a:t>
+            </a:r>
+          </a:p>
+        </p:txBody>
+      </p:sp>
     </p:spTree>
     <p:extLst>
       <p:ext uri="{BB962C8B-B14F-4D97-AF65-F5344CB8AC3E}">
@@ -12567,13 +13904,13 @@
   <p:clrMapOvr>
     <a:masterClrMapping/>
   </p:clrMapOvr>
-  <mc:AlternateContent xmlns:mc="http://schemas.openxmlformats.org/markup-compatibility/2006">
-    <mc:Choice xmlns:p14="http://schemas.microsoft.com/office/powerpoint/2010/main" Requires="p14">
+  <mc:AlternateContent xmlns:mc="http://schemas.openxmlformats.org/markup-compatibility/2006" xmlns:p14="http://schemas.microsoft.com/office/powerpoint/2010/main">
+    <mc:Choice Requires="p14">
       <p:transition spd="slow" advTm="3600000">
         <p14:switch dir="r"/>
       </p:transition>
     </mc:Choice>
-    <mc:Fallback>
+    <mc:Fallback xmlns="">
       <p:transition spd="slow" advTm="3600000">
         <p:fade/>
       </p:transition>
@@ -13025,6 +14362,52 @@
           </a:prstGeom>
         </p:spPr>
       </p:pic>
+      <p:sp>
+        <p:nvSpPr>
+          <p:cNvPr id="8" name="文本框 7">
+            <a:extLst>
+              <a:ext uri="{FF2B5EF4-FFF2-40B4-BE49-F238E27FC236}">
+                <a16:creationId xmlns:a16="http://schemas.microsoft.com/office/drawing/2014/main" id="{A0F9F069-1EDF-4FF6-A8C7-513B644B79AC}"/>
+              </a:ext>
+            </a:extLst>
+          </p:cNvPr>
+          <p:cNvSpPr txBox="1"/>
+          <p:nvPr/>
+        </p:nvSpPr>
+        <p:spPr>
+          <a:xfrm>
+            <a:off x="2863779" y="2704441"/>
+            <a:ext cx="4622242" cy="738664"/>
+          </a:xfrm>
+          <a:prstGeom prst="rect">
+            <a:avLst/>
+          </a:prstGeom>
+          <a:noFill/>
+        </p:spPr>
+        <p:txBody>
+          <a:bodyPr wrap="square">
+            <a:spAutoFit/>
+          </a:bodyPr>
+          <a:lstStyle/>
+          <a:p>
+            <a:pPr marL="285750" indent="-285750" algn="just">
+              <a:buFont typeface="Arial" panose="020B0604020202020204" pitchFamily="34" charset="0"/>
+              <a:buChar char="•"/>
+            </a:pPr>
+            <a:r>
+              <a:rPr lang="zh-CN" altLang="en-US" sz="1400" b="1" dirty="0">
+                <a:latin typeface="华文楷体" panose="02010600040101010101" pitchFamily="2" charset="-122"/>
+                <a:ea typeface="华文楷体" panose="02010600040101010101" pitchFamily="2" charset="-122"/>
+              </a:rPr>
+              <a:t>女鞋合成、皮革、帆布材质的最多，其中合成、帆布材质的售出比最高（近一半售出），可能因为价格低廉</a:t>
+            </a:r>
+            <a:endParaRPr lang="en-US" altLang="zh-CN" sz="1400" b="1" dirty="0">
+              <a:latin typeface="华文楷体" panose="02010600040101010101" pitchFamily="2" charset="-122"/>
+              <a:ea typeface="华文楷体" panose="02010600040101010101" pitchFamily="2" charset="-122"/>
+            </a:endParaRPr>
+          </a:p>
+        </p:txBody>
+      </p:sp>
     </p:spTree>
     <p:extLst>
       <p:ext uri="{BB962C8B-B14F-4D97-AF65-F5344CB8AC3E}">
@@ -13035,13 +14418,13 @@
   <p:clrMapOvr>
     <a:masterClrMapping/>
   </p:clrMapOvr>
-  <mc:AlternateContent xmlns:mc="http://schemas.openxmlformats.org/markup-compatibility/2006">
-    <mc:Choice xmlns:p14="http://schemas.microsoft.com/office/powerpoint/2010/main" Requires="p14">
+  <mc:AlternateContent xmlns:mc="http://schemas.openxmlformats.org/markup-compatibility/2006" xmlns:p14="http://schemas.microsoft.com/office/powerpoint/2010/main">
+    <mc:Choice Requires="p14">
       <p:transition spd="slow" advTm="3600000">
         <p14:switch dir="r"/>
       </p:transition>
     </mc:Choice>
-    <mc:Fallback>
+    <mc:Fallback xmlns="">
       <p:transition spd="slow" advTm="3600000">
         <p:fade/>
       </p:transition>
